--- a/Angular/Concepts/Angular.pptx
+++ b/Angular/Concepts/Angular.pptx
@@ -5,7 +5,7 @@
     <p:sldMasterId id="2147483648" r:id="rId1"/>
   </p:sldMasterIdLst>
   <p:notesMasterIdLst>
-    <p:notesMasterId r:id="rId11"/>
+    <p:notesMasterId r:id="rId31"/>
   </p:notesMasterIdLst>
   <p:sldIdLst>
     <p:sldId id="290" r:id="rId2"/>
@@ -17,6 +17,26 @@
     <p:sldId id="296" r:id="rId8"/>
     <p:sldId id="297" r:id="rId9"/>
     <p:sldId id="298" r:id="rId10"/>
+    <p:sldId id="299" r:id="rId11"/>
+    <p:sldId id="300" r:id="rId12"/>
+    <p:sldId id="301" r:id="rId13"/>
+    <p:sldId id="302" r:id="rId14"/>
+    <p:sldId id="303" r:id="rId15"/>
+    <p:sldId id="304" r:id="rId16"/>
+    <p:sldId id="305" r:id="rId17"/>
+    <p:sldId id="306" r:id="rId18"/>
+    <p:sldId id="307" r:id="rId19"/>
+    <p:sldId id="308" r:id="rId20"/>
+    <p:sldId id="309" r:id="rId21"/>
+    <p:sldId id="310" r:id="rId22"/>
+    <p:sldId id="311" r:id="rId23"/>
+    <p:sldId id="312" r:id="rId24"/>
+    <p:sldId id="313" r:id="rId25"/>
+    <p:sldId id="314" r:id="rId26"/>
+    <p:sldId id="315" r:id="rId27"/>
+    <p:sldId id="316" r:id="rId28"/>
+    <p:sldId id="317" r:id="rId29"/>
+    <p:sldId id="318" r:id="rId30"/>
   </p:sldIdLst>
   <p:sldSz cx="12192000" cy="6858000"/>
   <p:notesSz cx="6858000" cy="9144000"/>
@@ -557,6 +577,1223 @@
 </p:notes>
 </file>
 
+<file path=ppt/notesSlides/notesSlide10.xml><?xml version="1.0" encoding="utf-8"?>
+<p:notes xmlns:a="http://schemas.openxmlformats.org/drawingml/2006/main" xmlns:r="http://schemas.openxmlformats.org/officeDocument/2006/relationships" xmlns:p="http://schemas.openxmlformats.org/presentationml/2006/main">
+  <p:cSld>
+    <p:spTree>
+      <p:nvGrpSpPr>
+        <p:cNvPr id="1" name=""/>
+        <p:cNvGrpSpPr/>
+        <p:nvPr/>
+      </p:nvGrpSpPr>
+      <p:grpSpPr>
+        <a:xfrm>
+          <a:off x="0" y="0"/>
+          <a:ext cx="0" cy="0"/>
+          <a:chOff x="0" y="0"/>
+          <a:chExt cx="0" cy="0"/>
+        </a:xfrm>
+      </p:grpSpPr>
+      <p:sp>
+        <p:nvSpPr>
+          <p:cNvPr id="2" name="Slide Image Placeholder 1"/>
+          <p:cNvSpPr>
+            <a:spLocks noGrp="1" noRot="1" noChangeAspect="1"/>
+          </p:cNvSpPr>
+          <p:nvPr>
+            <p:ph type="sldImg"/>
+          </p:nvPr>
+        </p:nvSpPr>
+        <p:spPr/>
+      </p:sp>
+      <p:sp>
+        <p:nvSpPr>
+          <p:cNvPr id="3" name="Notes Placeholder 2"/>
+          <p:cNvSpPr>
+            <a:spLocks noGrp="1"/>
+          </p:cNvSpPr>
+          <p:nvPr>
+            <p:ph type="body" idx="1"/>
+          </p:nvPr>
+        </p:nvSpPr>
+        <p:spPr/>
+        <p:txBody>
+          <a:bodyPr/>
+          <a:lstStyle/>
+          <a:p>
+            <a:pPr marL="171450" lvl="0" indent="-171450">
+              <a:buFontTx/>
+              <a:buChar char="-"/>
+            </a:pPr>
+            <a:endParaRPr lang="en-IN" b="0" dirty="0"/>
+          </a:p>
+        </p:txBody>
+      </p:sp>
+      <p:sp>
+        <p:nvSpPr>
+          <p:cNvPr id="4" name="Slide Number Placeholder 3"/>
+          <p:cNvSpPr>
+            <a:spLocks noGrp="1"/>
+          </p:cNvSpPr>
+          <p:nvPr>
+            <p:ph type="sldNum" sz="quarter" idx="5"/>
+          </p:nvPr>
+        </p:nvSpPr>
+        <p:spPr/>
+        <p:txBody>
+          <a:bodyPr/>
+          <a:lstStyle/>
+          <a:p>
+            <a:fld id="{113593D2-72D5-4CF2-A8CC-B00F81EF5E34}" type="slidenum">
+              <a:rPr lang="en-IN" smtClean="0"/>
+              <a:t>10</a:t>
+            </a:fld>
+            <a:endParaRPr lang="en-IN"/>
+          </a:p>
+        </p:txBody>
+      </p:sp>
+    </p:spTree>
+    <p:extLst>
+      <p:ext uri="{BB962C8B-B14F-4D97-AF65-F5344CB8AC3E}">
+        <p14:creationId xmlns:p14="http://schemas.microsoft.com/office/powerpoint/2010/main" val="3038394786"/>
+      </p:ext>
+    </p:extLst>
+  </p:cSld>
+  <p:clrMapOvr>
+    <a:masterClrMapping/>
+  </p:clrMapOvr>
+</p:notes>
+</file>
+
+<file path=ppt/notesSlides/notesSlide11.xml><?xml version="1.0" encoding="utf-8"?>
+<p:notes xmlns:a="http://schemas.openxmlformats.org/drawingml/2006/main" xmlns:r="http://schemas.openxmlformats.org/officeDocument/2006/relationships" xmlns:p="http://schemas.openxmlformats.org/presentationml/2006/main">
+  <p:cSld>
+    <p:spTree>
+      <p:nvGrpSpPr>
+        <p:cNvPr id="1" name=""/>
+        <p:cNvGrpSpPr/>
+        <p:nvPr/>
+      </p:nvGrpSpPr>
+      <p:grpSpPr>
+        <a:xfrm>
+          <a:off x="0" y="0"/>
+          <a:ext cx="0" cy="0"/>
+          <a:chOff x="0" y="0"/>
+          <a:chExt cx="0" cy="0"/>
+        </a:xfrm>
+      </p:grpSpPr>
+      <p:sp>
+        <p:nvSpPr>
+          <p:cNvPr id="2" name="Slide Image Placeholder 1"/>
+          <p:cNvSpPr>
+            <a:spLocks noGrp="1" noRot="1" noChangeAspect="1"/>
+          </p:cNvSpPr>
+          <p:nvPr>
+            <p:ph type="sldImg"/>
+          </p:nvPr>
+        </p:nvSpPr>
+        <p:spPr/>
+      </p:sp>
+      <p:sp>
+        <p:nvSpPr>
+          <p:cNvPr id="3" name="Notes Placeholder 2"/>
+          <p:cNvSpPr>
+            <a:spLocks noGrp="1"/>
+          </p:cNvSpPr>
+          <p:nvPr>
+            <p:ph type="body" idx="1"/>
+          </p:nvPr>
+        </p:nvSpPr>
+        <p:spPr/>
+        <p:txBody>
+          <a:bodyPr/>
+          <a:lstStyle/>
+          <a:p>
+            <a:pPr marL="171450" lvl="0" indent="-171450">
+              <a:buFontTx/>
+              <a:buChar char="-"/>
+            </a:pPr>
+            <a:endParaRPr lang="en-IN" b="0" dirty="0"/>
+          </a:p>
+        </p:txBody>
+      </p:sp>
+      <p:sp>
+        <p:nvSpPr>
+          <p:cNvPr id="4" name="Slide Number Placeholder 3"/>
+          <p:cNvSpPr>
+            <a:spLocks noGrp="1"/>
+          </p:cNvSpPr>
+          <p:nvPr>
+            <p:ph type="sldNum" sz="quarter" idx="5"/>
+          </p:nvPr>
+        </p:nvSpPr>
+        <p:spPr/>
+        <p:txBody>
+          <a:bodyPr/>
+          <a:lstStyle/>
+          <a:p>
+            <a:fld id="{113593D2-72D5-4CF2-A8CC-B00F81EF5E34}" type="slidenum">
+              <a:rPr lang="en-IN" smtClean="0"/>
+              <a:t>11</a:t>
+            </a:fld>
+            <a:endParaRPr lang="en-IN"/>
+          </a:p>
+        </p:txBody>
+      </p:sp>
+    </p:spTree>
+    <p:extLst>
+      <p:ext uri="{BB962C8B-B14F-4D97-AF65-F5344CB8AC3E}">
+        <p14:creationId xmlns:p14="http://schemas.microsoft.com/office/powerpoint/2010/main" val="3487452033"/>
+      </p:ext>
+    </p:extLst>
+  </p:cSld>
+  <p:clrMapOvr>
+    <a:masterClrMapping/>
+  </p:clrMapOvr>
+</p:notes>
+</file>
+
+<file path=ppt/notesSlides/notesSlide12.xml><?xml version="1.0" encoding="utf-8"?>
+<p:notes xmlns:a="http://schemas.openxmlformats.org/drawingml/2006/main" xmlns:r="http://schemas.openxmlformats.org/officeDocument/2006/relationships" xmlns:p="http://schemas.openxmlformats.org/presentationml/2006/main">
+  <p:cSld>
+    <p:spTree>
+      <p:nvGrpSpPr>
+        <p:cNvPr id="1" name=""/>
+        <p:cNvGrpSpPr/>
+        <p:nvPr/>
+      </p:nvGrpSpPr>
+      <p:grpSpPr>
+        <a:xfrm>
+          <a:off x="0" y="0"/>
+          <a:ext cx="0" cy="0"/>
+          <a:chOff x="0" y="0"/>
+          <a:chExt cx="0" cy="0"/>
+        </a:xfrm>
+      </p:grpSpPr>
+      <p:sp>
+        <p:nvSpPr>
+          <p:cNvPr id="2" name="Slide Image Placeholder 1"/>
+          <p:cNvSpPr>
+            <a:spLocks noGrp="1" noRot="1" noChangeAspect="1"/>
+          </p:cNvSpPr>
+          <p:nvPr>
+            <p:ph type="sldImg"/>
+          </p:nvPr>
+        </p:nvSpPr>
+        <p:spPr/>
+      </p:sp>
+      <p:sp>
+        <p:nvSpPr>
+          <p:cNvPr id="3" name="Notes Placeholder 2"/>
+          <p:cNvSpPr>
+            <a:spLocks noGrp="1"/>
+          </p:cNvSpPr>
+          <p:nvPr>
+            <p:ph type="body" idx="1"/>
+          </p:nvPr>
+        </p:nvSpPr>
+        <p:spPr/>
+        <p:txBody>
+          <a:bodyPr/>
+          <a:lstStyle/>
+          <a:p>
+            <a:pPr marL="171450" lvl="0" indent="-171450">
+              <a:buFontTx/>
+              <a:buChar char="-"/>
+            </a:pPr>
+            <a:r>
+              <a:rPr lang="en-IN" b="0" dirty="0"/>
+              <a:t>A class is a construct that allows us to create a TYPE with properties that define the data elements and with methods that define the functionality.</a:t>
+            </a:r>
+          </a:p>
+        </p:txBody>
+      </p:sp>
+      <p:sp>
+        <p:nvSpPr>
+          <p:cNvPr id="4" name="Slide Number Placeholder 3"/>
+          <p:cNvSpPr>
+            <a:spLocks noGrp="1"/>
+          </p:cNvSpPr>
+          <p:nvPr>
+            <p:ph type="sldNum" sz="quarter" idx="5"/>
+          </p:nvPr>
+        </p:nvSpPr>
+        <p:spPr/>
+        <p:txBody>
+          <a:bodyPr/>
+          <a:lstStyle/>
+          <a:p>
+            <a:fld id="{113593D2-72D5-4CF2-A8CC-B00F81EF5E34}" type="slidenum">
+              <a:rPr lang="en-IN" smtClean="0"/>
+              <a:t>12</a:t>
+            </a:fld>
+            <a:endParaRPr lang="en-IN"/>
+          </a:p>
+        </p:txBody>
+      </p:sp>
+    </p:spTree>
+    <p:extLst>
+      <p:ext uri="{BB962C8B-B14F-4D97-AF65-F5344CB8AC3E}">
+        <p14:creationId xmlns:p14="http://schemas.microsoft.com/office/powerpoint/2010/main" val="875900539"/>
+      </p:ext>
+    </p:extLst>
+  </p:cSld>
+  <p:clrMapOvr>
+    <a:masterClrMapping/>
+  </p:clrMapOvr>
+</p:notes>
+</file>
+
+<file path=ppt/notesSlides/notesSlide13.xml><?xml version="1.0" encoding="utf-8"?>
+<p:notes xmlns:a="http://schemas.openxmlformats.org/drawingml/2006/main" xmlns:r="http://schemas.openxmlformats.org/officeDocument/2006/relationships" xmlns:p="http://schemas.openxmlformats.org/presentationml/2006/main">
+  <p:cSld>
+    <p:spTree>
+      <p:nvGrpSpPr>
+        <p:cNvPr id="1" name=""/>
+        <p:cNvGrpSpPr/>
+        <p:nvPr/>
+      </p:nvGrpSpPr>
+      <p:grpSpPr>
+        <a:xfrm>
+          <a:off x="0" y="0"/>
+          <a:ext cx="0" cy="0"/>
+          <a:chOff x="0" y="0"/>
+          <a:chExt cx="0" cy="0"/>
+        </a:xfrm>
+      </p:grpSpPr>
+      <p:sp>
+        <p:nvSpPr>
+          <p:cNvPr id="2" name="Slide Image Placeholder 1"/>
+          <p:cNvSpPr>
+            <a:spLocks noGrp="1" noRot="1" noChangeAspect="1"/>
+          </p:cNvSpPr>
+          <p:nvPr>
+            <p:ph type="sldImg"/>
+          </p:nvPr>
+        </p:nvSpPr>
+        <p:spPr/>
+      </p:sp>
+      <p:sp>
+        <p:nvSpPr>
+          <p:cNvPr id="3" name="Notes Placeholder 2"/>
+          <p:cNvSpPr>
+            <a:spLocks noGrp="1"/>
+          </p:cNvSpPr>
+          <p:nvPr>
+            <p:ph type="body" idx="1"/>
+          </p:nvPr>
+        </p:nvSpPr>
+        <p:spPr/>
+        <p:txBody>
+          <a:bodyPr/>
+          <a:lstStyle/>
+          <a:p>
+            <a:pPr marL="171450" lvl="0" indent="-171450">
+              <a:buFontTx/>
+              <a:buChar char="-"/>
+            </a:pPr>
+            <a:endParaRPr lang="en-IN" b="0" dirty="0"/>
+          </a:p>
+        </p:txBody>
+      </p:sp>
+      <p:sp>
+        <p:nvSpPr>
+          <p:cNvPr id="4" name="Slide Number Placeholder 3"/>
+          <p:cNvSpPr>
+            <a:spLocks noGrp="1"/>
+          </p:cNvSpPr>
+          <p:nvPr>
+            <p:ph type="sldNum" sz="quarter" idx="5"/>
+          </p:nvPr>
+        </p:nvSpPr>
+        <p:spPr/>
+        <p:txBody>
+          <a:bodyPr/>
+          <a:lstStyle/>
+          <a:p>
+            <a:fld id="{113593D2-72D5-4CF2-A8CC-B00F81EF5E34}" type="slidenum">
+              <a:rPr lang="en-IN" smtClean="0"/>
+              <a:t>13</a:t>
+            </a:fld>
+            <a:endParaRPr lang="en-IN"/>
+          </a:p>
+        </p:txBody>
+      </p:sp>
+    </p:spTree>
+    <p:extLst>
+      <p:ext uri="{BB962C8B-B14F-4D97-AF65-F5344CB8AC3E}">
+        <p14:creationId xmlns:p14="http://schemas.microsoft.com/office/powerpoint/2010/main" val="2391492083"/>
+      </p:ext>
+    </p:extLst>
+  </p:cSld>
+  <p:clrMapOvr>
+    <a:masterClrMapping/>
+  </p:clrMapOvr>
+</p:notes>
+</file>
+
+<file path=ppt/notesSlides/notesSlide14.xml><?xml version="1.0" encoding="utf-8"?>
+<p:notes xmlns:a="http://schemas.openxmlformats.org/drawingml/2006/main" xmlns:r="http://schemas.openxmlformats.org/officeDocument/2006/relationships" xmlns:p="http://schemas.openxmlformats.org/presentationml/2006/main">
+  <p:cSld>
+    <p:spTree>
+      <p:nvGrpSpPr>
+        <p:cNvPr id="1" name=""/>
+        <p:cNvGrpSpPr/>
+        <p:nvPr/>
+      </p:nvGrpSpPr>
+      <p:grpSpPr>
+        <a:xfrm>
+          <a:off x="0" y="0"/>
+          <a:ext cx="0" cy="0"/>
+          <a:chOff x="0" y="0"/>
+          <a:chExt cx="0" cy="0"/>
+        </a:xfrm>
+      </p:grpSpPr>
+      <p:sp>
+        <p:nvSpPr>
+          <p:cNvPr id="2" name="Slide Image Placeholder 1"/>
+          <p:cNvSpPr>
+            <a:spLocks noGrp="1" noRot="1" noChangeAspect="1"/>
+          </p:cNvSpPr>
+          <p:nvPr>
+            <p:ph type="sldImg"/>
+          </p:nvPr>
+        </p:nvSpPr>
+        <p:spPr/>
+      </p:sp>
+      <p:sp>
+        <p:nvSpPr>
+          <p:cNvPr id="3" name="Notes Placeholder 2"/>
+          <p:cNvSpPr>
+            <a:spLocks noGrp="1"/>
+          </p:cNvSpPr>
+          <p:nvPr>
+            <p:ph type="body" idx="1"/>
+          </p:nvPr>
+        </p:nvSpPr>
+        <p:spPr/>
+        <p:txBody>
+          <a:bodyPr/>
+          <a:lstStyle/>
+          <a:p>
+            <a:pPr marL="171450" lvl="0" indent="-171450">
+              <a:buFontTx/>
+              <a:buChar char="-"/>
+            </a:pPr>
+            <a:r>
+              <a:rPr lang="en-IN" b="0" dirty="0"/>
+              <a:t>A class becomes an Angular component when we give it component metadata. Angular needs that metadata to understand how to instantiate the component, construct the view, and interact with the component. We define a component's metadata with the Angular component function. In TypeScript we attach that function to the class as a decorator. </a:t>
+            </a:r>
+          </a:p>
+          <a:p>
+            <a:pPr marL="171450" lvl="0" indent="-171450">
+              <a:buFontTx/>
+              <a:buChar char="-"/>
+            </a:pPr>
+            <a:endParaRPr lang="en-IN" b="0" dirty="0"/>
+          </a:p>
+          <a:p>
+            <a:pPr marL="171450" lvl="0" indent="-171450">
+              <a:buFontTx/>
+              <a:buChar char="-"/>
+            </a:pPr>
+            <a:endParaRPr lang="en-IN" b="0" dirty="0"/>
+          </a:p>
+          <a:p>
+            <a:pPr marL="171450" lvl="0" indent="-171450">
+              <a:buFontTx/>
+              <a:buChar char="-"/>
+            </a:pPr>
+            <a:r>
+              <a:rPr lang="en-IN" b="0" dirty="0"/>
+              <a:t>A decorator is a function that adds metadata to a class, its members, or its method arguments. </a:t>
+            </a:r>
+          </a:p>
+          <a:p>
+            <a:pPr marL="171450" lvl="0" indent="-171450">
+              <a:buFontTx/>
+              <a:buChar char="-"/>
+            </a:pPr>
+            <a:endParaRPr lang="en-IN" b="0" dirty="0"/>
+          </a:p>
+          <a:p>
+            <a:pPr marL="171450" lvl="0" indent="-171450">
+              <a:buFontTx/>
+              <a:buChar char="-"/>
+            </a:pPr>
+            <a:endParaRPr lang="en-IN" b="0" dirty="0"/>
+          </a:p>
+          <a:p>
+            <a:pPr marL="171450" lvl="0" indent="-171450">
+              <a:buFontTx/>
+              <a:buChar char="-"/>
+            </a:pPr>
+            <a:r>
+              <a:rPr lang="en-IN" b="0" dirty="0"/>
+              <a:t>A decorator is a JavaScript language feature that is implemented in TypeScript. The scope of the decorator is limited to the feature that it decorates.</a:t>
+            </a:r>
+          </a:p>
+          <a:p>
+            <a:pPr marL="171450" lvl="0" indent="-171450">
+              <a:buFontTx/>
+              <a:buChar char="-"/>
+            </a:pPr>
+            <a:endParaRPr lang="en-IN" b="0" dirty="0"/>
+          </a:p>
+          <a:p>
+            <a:pPr marL="171450" lvl="0" indent="-171450">
+              <a:buFontTx/>
+              <a:buChar char="-"/>
+            </a:pPr>
+            <a:r>
+              <a:rPr lang="en-IN" b="0" dirty="0"/>
+              <a:t>We apply a decorator by positioning it immediately in front of the feature we are decorating.</a:t>
+            </a:r>
+          </a:p>
+          <a:p>
+            <a:pPr marL="171450" lvl="0" indent="-171450">
+              <a:buFontTx/>
+              <a:buChar char="-"/>
+            </a:pPr>
+            <a:endParaRPr lang="en-IN" b="0" dirty="0"/>
+          </a:p>
+          <a:p>
+            <a:pPr marL="171450" lvl="0" indent="-171450">
+              <a:buFontTx/>
+              <a:buChar char="-"/>
+            </a:pPr>
+            <a:r>
+              <a:rPr lang="en-IN" b="0" dirty="0"/>
+              <a:t>This syntax is similar to attributes used in other programming languages. </a:t>
+            </a:r>
+          </a:p>
+          <a:p>
+            <a:pPr marL="171450" lvl="0" indent="-171450">
+              <a:buFontTx/>
+              <a:buChar char="-"/>
+            </a:pPr>
+            <a:endParaRPr lang="en-IN" b="0" dirty="0"/>
+          </a:p>
+          <a:p>
+            <a:pPr marL="171450" lvl="0" indent="-171450">
+              <a:buFontTx/>
+              <a:buChar char="-"/>
+            </a:pPr>
+            <a:r>
+              <a:rPr lang="en-IN" b="0" dirty="0"/>
+              <a:t>Since the decorator is a function, we always add parentheses. We pass an object to the component function as indicated with the curly braces. The object we pass in has many properties.</a:t>
+            </a:r>
+          </a:p>
+        </p:txBody>
+      </p:sp>
+      <p:sp>
+        <p:nvSpPr>
+          <p:cNvPr id="4" name="Slide Number Placeholder 3"/>
+          <p:cNvSpPr>
+            <a:spLocks noGrp="1"/>
+          </p:cNvSpPr>
+          <p:nvPr>
+            <p:ph type="sldNum" sz="quarter" idx="5"/>
+          </p:nvPr>
+        </p:nvSpPr>
+        <p:spPr/>
+        <p:txBody>
+          <a:bodyPr/>
+          <a:lstStyle/>
+          <a:p>
+            <a:fld id="{113593D2-72D5-4CF2-A8CC-B00F81EF5E34}" type="slidenum">
+              <a:rPr lang="en-IN" smtClean="0"/>
+              <a:t>14</a:t>
+            </a:fld>
+            <a:endParaRPr lang="en-IN"/>
+          </a:p>
+        </p:txBody>
+      </p:sp>
+    </p:spTree>
+    <p:extLst>
+      <p:ext uri="{BB962C8B-B14F-4D97-AF65-F5344CB8AC3E}">
+        <p14:creationId xmlns:p14="http://schemas.microsoft.com/office/powerpoint/2010/main" val="852351950"/>
+      </p:ext>
+    </p:extLst>
+  </p:cSld>
+  <p:clrMapOvr>
+    <a:masterClrMapping/>
+  </p:clrMapOvr>
+</p:notes>
+</file>
+
+<file path=ppt/notesSlides/notesSlide15.xml><?xml version="1.0" encoding="utf-8"?>
+<p:notes xmlns:a="http://schemas.openxmlformats.org/drawingml/2006/main" xmlns:r="http://schemas.openxmlformats.org/officeDocument/2006/relationships" xmlns:p="http://schemas.openxmlformats.org/presentationml/2006/main">
+  <p:cSld>
+    <p:spTree>
+      <p:nvGrpSpPr>
+        <p:cNvPr id="1" name=""/>
+        <p:cNvGrpSpPr/>
+        <p:nvPr/>
+      </p:nvGrpSpPr>
+      <p:grpSpPr>
+        <a:xfrm>
+          <a:off x="0" y="0"/>
+          <a:ext cx="0" cy="0"/>
+          <a:chOff x="0" y="0"/>
+          <a:chExt cx="0" cy="0"/>
+        </a:xfrm>
+      </p:grpSpPr>
+      <p:sp>
+        <p:nvSpPr>
+          <p:cNvPr id="2" name="Slide Image Placeholder 1"/>
+          <p:cNvSpPr>
+            <a:spLocks noGrp="1" noRot="1" noChangeAspect="1"/>
+          </p:cNvSpPr>
+          <p:nvPr>
+            <p:ph type="sldImg"/>
+          </p:nvPr>
+        </p:nvSpPr>
+        <p:spPr/>
+      </p:sp>
+      <p:sp>
+        <p:nvSpPr>
+          <p:cNvPr id="3" name="Notes Placeholder 2"/>
+          <p:cNvSpPr>
+            <a:spLocks noGrp="1"/>
+          </p:cNvSpPr>
+          <p:nvPr>
+            <p:ph type="body" idx="1"/>
+          </p:nvPr>
+        </p:nvSpPr>
+        <p:spPr/>
+        <p:txBody>
+          <a:bodyPr/>
+          <a:lstStyle/>
+          <a:p>
+            <a:pPr marL="171450" lvl="0" indent="-171450">
+              <a:buFontTx/>
+              <a:buChar char="-"/>
+            </a:pPr>
+            <a:r>
+              <a:rPr lang="en-IN" b="0" dirty="0"/>
+              <a:t>A directive is simply a custom HTML tag.</a:t>
+            </a:r>
+          </a:p>
+          <a:p>
+            <a:pPr marL="0" lvl="0" indent="0">
+              <a:buFontTx/>
+              <a:buNone/>
+            </a:pPr>
+            <a:endParaRPr lang="en-IN" b="0" dirty="0"/>
+          </a:p>
+        </p:txBody>
+      </p:sp>
+      <p:sp>
+        <p:nvSpPr>
+          <p:cNvPr id="4" name="Slide Number Placeholder 3"/>
+          <p:cNvSpPr>
+            <a:spLocks noGrp="1"/>
+          </p:cNvSpPr>
+          <p:nvPr>
+            <p:ph type="sldNum" sz="quarter" idx="5"/>
+          </p:nvPr>
+        </p:nvSpPr>
+        <p:spPr/>
+        <p:txBody>
+          <a:bodyPr/>
+          <a:lstStyle/>
+          <a:p>
+            <a:fld id="{113593D2-72D5-4CF2-A8CC-B00F81EF5E34}" type="slidenum">
+              <a:rPr lang="en-IN" smtClean="0"/>
+              <a:t>15</a:t>
+            </a:fld>
+            <a:endParaRPr lang="en-IN"/>
+          </a:p>
+        </p:txBody>
+      </p:sp>
+    </p:spTree>
+    <p:extLst>
+      <p:ext uri="{BB962C8B-B14F-4D97-AF65-F5344CB8AC3E}">
+        <p14:creationId xmlns:p14="http://schemas.microsoft.com/office/powerpoint/2010/main" val="627507082"/>
+      </p:ext>
+    </p:extLst>
+  </p:cSld>
+  <p:clrMapOvr>
+    <a:masterClrMapping/>
+  </p:clrMapOvr>
+</p:notes>
+</file>
+
+<file path=ppt/notesSlides/notesSlide16.xml><?xml version="1.0" encoding="utf-8"?>
+<p:notes xmlns:a="http://schemas.openxmlformats.org/drawingml/2006/main" xmlns:r="http://schemas.openxmlformats.org/officeDocument/2006/relationships" xmlns:p="http://schemas.openxmlformats.org/presentationml/2006/main">
+  <p:cSld>
+    <p:spTree>
+      <p:nvGrpSpPr>
+        <p:cNvPr id="1" name=""/>
+        <p:cNvGrpSpPr/>
+        <p:nvPr/>
+      </p:nvGrpSpPr>
+      <p:grpSpPr>
+        <a:xfrm>
+          <a:off x="0" y="0"/>
+          <a:ext cx="0" cy="0"/>
+          <a:chOff x="0" y="0"/>
+          <a:chExt cx="0" cy="0"/>
+        </a:xfrm>
+      </p:grpSpPr>
+      <p:sp>
+        <p:nvSpPr>
+          <p:cNvPr id="2" name="Slide Image Placeholder 1"/>
+          <p:cNvSpPr>
+            <a:spLocks noGrp="1" noRot="1" noChangeAspect="1"/>
+          </p:cNvSpPr>
+          <p:nvPr>
+            <p:ph type="sldImg"/>
+          </p:nvPr>
+        </p:nvSpPr>
+        <p:spPr/>
+      </p:sp>
+      <p:sp>
+        <p:nvSpPr>
+          <p:cNvPr id="3" name="Notes Placeholder 2"/>
+          <p:cNvSpPr>
+            <a:spLocks noGrp="1"/>
+          </p:cNvSpPr>
+          <p:nvPr>
+            <p:ph type="body" idx="1"/>
+          </p:nvPr>
+        </p:nvSpPr>
+        <p:spPr/>
+        <p:txBody>
+          <a:bodyPr/>
+          <a:lstStyle/>
+          <a:p>
+            <a:pPr marL="171450" lvl="0" indent="-171450">
+              <a:buFontTx/>
+              <a:buChar char="-"/>
+            </a:pPr>
+            <a:r>
+              <a:rPr lang="en-IN" b="0" dirty="0"/>
+              <a:t>We need to tell Angular to load our root component through a process that is called Bootstrapping. We first set up the index.html file to host our application. Then we define our root Angular module to Bootstrap our root component.</a:t>
+            </a:r>
+          </a:p>
+          <a:p>
+            <a:pPr marL="171450" lvl="0" indent="-171450">
+              <a:buFontTx/>
+              <a:buChar char="-"/>
+            </a:pPr>
+            <a:endParaRPr lang="en-IN" b="0" dirty="0"/>
+          </a:p>
+          <a:p>
+            <a:pPr marL="171450" lvl="0" indent="-171450">
+              <a:buFontTx/>
+              <a:buChar char="-"/>
+            </a:pPr>
+            <a:r>
+              <a:rPr lang="en-IN" b="0" dirty="0"/>
+              <a:t>This index.html file is often the one true web page of the application. Hence an application is often called a single-page application or SPA, but don't worry. It will look to the user like we have lots of pages as we saw in the demo at the beginning of this course. What we do is insert bits of HTML into the one HTML page defined in index.html.</a:t>
+            </a:r>
+          </a:p>
+        </p:txBody>
+      </p:sp>
+      <p:sp>
+        <p:nvSpPr>
+          <p:cNvPr id="4" name="Slide Number Placeholder 3"/>
+          <p:cNvSpPr>
+            <a:spLocks noGrp="1"/>
+          </p:cNvSpPr>
+          <p:nvPr>
+            <p:ph type="sldNum" sz="quarter" idx="5"/>
+          </p:nvPr>
+        </p:nvSpPr>
+        <p:spPr/>
+        <p:txBody>
+          <a:bodyPr/>
+          <a:lstStyle/>
+          <a:p>
+            <a:fld id="{113593D2-72D5-4CF2-A8CC-B00F81EF5E34}" type="slidenum">
+              <a:rPr lang="en-IN" smtClean="0"/>
+              <a:t>16</a:t>
+            </a:fld>
+            <a:endParaRPr lang="en-IN"/>
+          </a:p>
+        </p:txBody>
+      </p:sp>
+    </p:spTree>
+    <p:extLst>
+      <p:ext uri="{BB962C8B-B14F-4D97-AF65-F5344CB8AC3E}">
+        <p14:creationId xmlns:p14="http://schemas.microsoft.com/office/powerpoint/2010/main" val="1006928283"/>
+      </p:ext>
+    </p:extLst>
+  </p:cSld>
+  <p:clrMapOvr>
+    <a:masterClrMapping/>
+  </p:clrMapOvr>
+</p:notes>
+</file>
+
+<file path=ppt/notesSlides/notesSlide17.xml><?xml version="1.0" encoding="utf-8"?>
+<p:notes xmlns:a="http://schemas.openxmlformats.org/drawingml/2006/main" xmlns:r="http://schemas.openxmlformats.org/officeDocument/2006/relationships" xmlns:p="http://schemas.openxmlformats.org/presentationml/2006/main">
+  <p:cSld>
+    <p:spTree>
+      <p:nvGrpSpPr>
+        <p:cNvPr id="1" name=""/>
+        <p:cNvGrpSpPr/>
+        <p:nvPr/>
+      </p:nvGrpSpPr>
+      <p:grpSpPr>
+        <a:xfrm>
+          <a:off x="0" y="0"/>
+          <a:ext cx="0" cy="0"/>
+          <a:chOff x="0" y="0"/>
+          <a:chExt cx="0" cy="0"/>
+        </a:xfrm>
+      </p:grpSpPr>
+      <p:sp>
+        <p:nvSpPr>
+          <p:cNvPr id="2" name="Slide Image Placeholder 1"/>
+          <p:cNvSpPr>
+            <a:spLocks noGrp="1" noRot="1" noChangeAspect="1"/>
+          </p:cNvSpPr>
+          <p:nvPr>
+            <p:ph type="sldImg"/>
+          </p:nvPr>
+        </p:nvSpPr>
+        <p:spPr/>
+      </p:sp>
+      <p:sp>
+        <p:nvSpPr>
+          <p:cNvPr id="3" name="Notes Placeholder 2"/>
+          <p:cNvSpPr>
+            <a:spLocks noGrp="1"/>
+          </p:cNvSpPr>
+          <p:nvPr>
+            <p:ph type="body" idx="1"/>
+          </p:nvPr>
+        </p:nvSpPr>
+        <p:spPr/>
+        <p:txBody>
+          <a:bodyPr/>
+          <a:lstStyle/>
+          <a:p>
+            <a:pPr marL="171450" lvl="0" indent="-171450">
+              <a:buFontTx/>
+              <a:buChar char="-"/>
+            </a:pPr>
+            <a:endParaRPr lang="en-IN" b="0" dirty="0"/>
+          </a:p>
+        </p:txBody>
+      </p:sp>
+      <p:sp>
+        <p:nvSpPr>
+          <p:cNvPr id="4" name="Slide Number Placeholder 3"/>
+          <p:cNvSpPr>
+            <a:spLocks noGrp="1"/>
+          </p:cNvSpPr>
+          <p:nvPr>
+            <p:ph type="sldNum" sz="quarter" idx="5"/>
+          </p:nvPr>
+        </p:nvSpPr>
+        <p:spPr/>
+        <p:txBody>
+          <a:bodyPr/>
+          <a:lstStyle/>
+          <a:p>
+            <a:fld id="{113593D2-72D5-4CF2-A8CC-B00F81EF5E34}" type="slidenum">
+              <a:rPr lang="en-IN" smtClean="0"/>
+              <a:t>17</a:t>
+            </a:fld>
+            <a:endParaRPr lang="en-IN"/>
+          </a:p>
+        </p:txBody>
+      </p:sp>
+    </p:spTree>
+    <p:extLst>
+      <p:ext uri="{BB962C8B-B14F-4D97-AF65-F5344CB8AC3E}">
+        <p14:creationId xmlns:p14="http://schemas.microsoft.com/office/powerpoint/2010/main" val="2479773673"/>
+      </p:ext>
+    </p:extLst>
+  </p:cSld>
+  <p:clrMapOvr>
+    <a:masterClrMapping/>
+  </p:clrMapOvr>
+</p:notes>
+</file>
+
+<file path=ppt/notesSlides/notesSlide18.xml><?xml version="1.0" encoding="utf-8"?>
+<p:notes xmlns:a="http://schemas.openxmlformats.org/drawingml/2006/main" xmlns:r="http://schemas.openxmlformats.org/officeDocument/2006/relationships" xmlns:p="http://schemas.openxmlformats.org/presentationml/2006/main">
+  <p:cSld>
+    <p:spTree>
+      <p:nvGrpSpPr>
+        <p:cNvPr id="1" name=""/>
+        <p:cNvGrpSpPr/>
+        <p:nvPr/>
+      </p:nvGrpSpPr>
+      <p:grpSpPr>
+        <a:xfrm>
+          <a:off x="0" y="0"/>
+          <a:ext cx="0" cy="0"/>
+          <a:chOff x="0" y="0"/>
+          <a:chExt cx="0" cy="0"/>
+        </a:xfrm>
+      </p:grpSpPr>
+      <p:sp>
+        <p:nvSpPr>
+          <p:cNvPr id="2" name="Slide Image Placeholder 1"/>
+          <p:cNvSpPr>
+            <a:spLocks noGrp="1" noRot="1" noChangeAspect="1"/>
+          </p:cNvSpPr>
+          <p:nvPr>
+            <p:ph type="sldImg"/>
+          </p:nvPr>
+        </p:nvSpPr>
+        <p:spPr/>
+      </p:sp>
+      <p:sp>
+        <p:nvSpPr>
+          <p:cNvPr id="3" name="Notes Placeholder 2"/>
+          <p:cNvSpPr>
+            <a:spLocks noGrp="1"/>
+          </p:cNvSpPr>
+          <p:nvPr>
+            <p:ph type="body" idx="1"/>
+          </p:nvPr>
+        </p:nvSpPr>
+        <p:spPr/>
+        <p:txBody>
+          <a:bodyPr/>
+          <a:lstStyle/>
+          <a:p>
+            <a:pPr marL="171450" lvl="0" indent="-171450">
+              <a:buFontTx/>
+              <a:buChar char="-"/>
+            </a:pPr>
+            <a:r>
+              <a:rPr lang="en-IN" b="0" dirty="0"/>
+              <a:t>template resolution environment. What does that mean? When the Angular compiler sees a directive in a template, it looks to the Angular module for the definition so we declare the </a:t>
+            </a:r>
+            <a:r>
+              <a:rPr lang="en-IN" b="0" dirty="0" err="1"/>
+              <a:t>AppComponent</a:t>
+            </a:r>
+            <a:r>
+              <a:rPr lang="en-IN" b="0" dirty="0"/>
+              <a:t> in an Angular module so the compiler can find it.</a:t>
+            </a:r>
+          </a:p>
+          <a:p>
+            <a:pPr marL="171450" lvl="0" indent="-171450">
+              <a:buFontTx/>
+              <a:buChar char="-"/>
+            </a:pPr>
+            <a:endParaRPr lang="en-IN" b="0" dirty="0"/>
+          </a:p>
+          <a:p>
+            <a:pPr marL="171450" lvl="0" indent="-171450">
+              <a:buFontTx/>
+              <a:buChar char="-"/>
+            </a:pPr>
+            <a:r>
+              <a:rPr lang="en-IN" b="0" dirty="0"/>
+              <a:t>We also use the module to Bootstrap our </a:t>
+            </a:r>
+            <a:r>
+              <a:rPr lang="en-IN" b="0" dirty="0" err="1"/>
+              <a:t>startup</a:t>
+            </a:r>
+            <a:r>
+              <a:rPr lang="en-IN" b="0" dirty="0"/>
+              <a:t> component, which is our </a:t>
+            </a:r>
+            <a:r>
+              <a:rPr lang="en-IN" b="0" dirty="0" err="1"/>
+              <a:t>AppComponent</a:t>
+            </a:r>
+            <a:r>
+              <a:rPr lang="en-IN" b="0" dirty="0"/>
+              <a:t> and we want our application to work correctly in the browser so we add </a:t>
+            </a:r>
+            <a:r>
+              <a:rPr lang="en-IN" b="0" dirty="0" err="1"/>
+              <a:t>Angular's</a:t>
+            </a:r>
+            <a:r>
+              <a:rPr lang="en-IN" b="0" dirty="0"/>
+              <a:t> browser module to our Angular module's imports.</a:t>
+            </a:r>
+          </a:p>
+        </p:txBody>
+      </p:sp>
+      <p:sp>
+        <p:nvSpPr>
+          <p:cNvPr id="4" name="Slide Number Placeholder 3"/>
+          <p:cNvSpPr>
+            <a:spLocks noGrp="1"/>
+          </p:cNvSpPr>
+          <p:nvPr>
+            <p:ph type="sldNum" sz="quarter" idx="5"/>
+          </p:nvPr>
+        </p:nvSpPr>
+        <p:spPr/>
+        <p:txBody>
+          <a:bodyPr/>
+          <a:lstStyle/>
+          <a:p>
+            <a:fld id="{113593D2-72D5-4CF2-A8CC-B00F81EF5E34}" type="slidenum">
+              <a:rPr lang="en-IN" smtClean="0"/>
+              <a:t>18</a:t>
+            </a:fld>
+            <a:endParaRPr lang="en-IN"/>
+          </a:p>
+        </p:txBody>
+      </p:sp>
+    </p:spTree>
+    <p:extLst>
+      <p:ext uri="{BB962C8B-B14F-4D97-AF65-F5344CB8AC3E}">
+        <p14:creationId xmlns:p14="http://schemas.microsoft.com/office/powerpoint/2010/main" val="74108963"/>
+      </p:ext>
+    </p:extLst>
+  </p:cSld>
+  <p:clrMapOvr>
+    <a:masterClrMapping/>
+  </p:clrMapOvr>
+</p:notes>
+</file>
+
+<file path=ppt/notesSlides/notesSlide19.xml><?xml version="1.0" encoding="utf-8"?>
+<p:notes xmlns:a="http://schemas.openxmlformats.org/drawingml/2006/main" xmlns:r="http://schemas.openxmlformats.org/officeDocument/2006/relationships" xmlns:p="http://schemas.openxmlformats.org/presentationml/2006/main">
+  <p:cSld>
+    <p:spTree>
+      <p:nvGrpSpPr>
+        <p:cNvPr id="1" name=""/>
+        <p:cNvGrpSpPr/>
+        <p:nvPr/>
+      </p:nvGrpSpPr>
+      <p:grpSpPr>
+        <a:xfrm>
+          <a:off x="0" y="0"/>
+          <a:ext cx="0" cy="0"/>
+          <a:chOff x="0" y="0"/>
+          <a:chExt cx="0" cy="0"/>
+        </a:xfrm>
+      </p:grpSpPr>
+      <p:sp>
+        <p:nvSpPr>
+          <p:cNvPr id="2" name="Slide Image Placeholder 1"/>
+          <p:cNvSpPr>
+            <a:spLocks noGrp="1" noRot="1" noChangeAspect="1"/>
+          </p:cNvSpPr>
+          <p:nvPr>
+            <p:ph type="sldImg"/>
+          </p:nvPr>
+        </p:nvSpPr>
+        <p:spPr/>
+      </p:sp>
+      <p:sp>
+        <p:nvSpPr>
+          <p:cNvPr id="3" name="Notes Placeholder 2"/>
+          <p:cNvSpPr>
+            <a:spLocks noGrp="1"/>
+          </p:cNvSpPr>
+          <p:nvPr>
+            <p:ph type="body" idx="1"/>
+          </p:nvPr>
+        </p:nvSpPr>
+        <p:spPr/>
+        <p:txBody>
+          <a:bodyPr/>
+          <a:lstStyle/>
+          <a:p>
+            <a:pPr marL="171450" lvl="0" indent="-171450">
+              <a:buFontTx/>
+              <a:buChar char="-"/>
+            </a:pPr>
+            <a:r>
+              <a:rPr lang="en-IN" b="0" dirty="0"/>
+              <a:t>For the </a:t>
+            </a:r>
+            <a:r>
+              <a:rPr lang="en-IN" b="0" dirty="0" err="1"/>
+              <a:t>NgModule</a:t>
+            </a:r>
+            <a:r>
+              <a:rPr lang="en-IN" b="0" dirty="0"/>
+              <a:t> decorator, the properties are arrays. In the declarations array we define which of our components belong to this module. </a:t>
+            </a:r>
+          </a:p>
+          <a:p>
+            <a:pPr marL="171450" lvl="0" indent="-171450">
+              <a:buFontTx/>
+              <a:buChar char="-"/>
+            </a:pPr>
+            <a:endParaRPr lang="en-IN" b="0" dirty="0"/>
+          </a:p>
+          <a:p>
+            <a:pPr marL="171450" lvl="0" indent="-171450">
+              <a:buFontTx/>
+              <a:buChar char="-"/>
+            </a:pPr>
+            <a:r>
+              <a:rPr lang="en-IN" b="0" dirty="0"/>
+              <a:t>By convention, our root application component, </a:t>
+            </a:r>
+            <a:r>
+              <a:rPr lang="en-IN" b="0" dirty="0" err="1"/>
+              <a:t>AppComponent</a:t>
+            </a:r>
+            <a:r>
+              <a:rPr lang="en-IN" b="0" dirty="0"/>
+              <a:t>, belongs to the application's root Angular module, </a:t>
+            </a:r>
+            <a:r>
+              <a:rPr lang="en-IN" b="0" dirty="0" err="1"/>
+              <a:t>AppModule</a:t>
+            </a:r>
+            <a:r>
+              <a:rPr lang="en-IN" b="0" dirty="0"/>
+              <a:t>, so we declare it here. We can add other components here as well.</a:t>
+            </a:r>
+          </a:p>
+          <a:p>
+            <a:pPr marL="171450" lvl="0" indent="-171450">
+              <a:buFontTx/>
+              <a:buChar char="-"/>
+            </a:pPr>
+            <a:endParaRPr lang="en-IN" b="0" dirty="0"/>
+          </a:p>
+          <a:p>
+            <a:pPr marL="171450" lvl="0" indent="-171450">
+              <a:buFontTx/>
+              <a:buChar char="-"/>
+            </a:pPr>
+            <a:r>
+              <a:rPr lang="en-IN" b="0" dirty="0"/>
+              <a:t>In the imports array we define the external modules that we want to have available to all of the components that belong to this Angular module. External modules could be modules provided by Angular, a third party, or our own Angular modules. Here we import browser module, which every browser application must import. Browser module register is important to application service providers such as error handling.</a:t>
+            </a:r>
+          </a:p>
+          <a:p>
+            <a:pPr marL="171450" lvl="0" indent="-171450">
+              <a:buFontTx/>
+              <a:buChar char="-"/>
+            </a:pPr>
+            <a:endParaRPr lang="en-IN" b="0" dirty="0"/>
+          </a:p>
+          <a:p>
+            <a:pPr marL="171450" lvl="0" indent="-171450">
+              <a:buFontTx/>
+              <a:buChar char="-"/>
+            </a:pPr>
+            <a:endParaRPr lang="en-IN" b="0" dirty="0"/>
+          </a:p>
+          <a:p>
+            <a:pPr marL="171450" lvl="0" indent="-171450">
+              <a:buFontTx/>
+              <a:buChar char="-"/>
+            </a:pPr>
+            <a:r>
+              <a:rPr lang="en-IN" b="0" dirty="0"/>
+              <a:t>The Bootstrap array defines the </a:t>
+            </a:r>
+            <a:r>
+              <a:rPr lang="en-IN" b="0" dirty="0" err="1"/>
+              <a:t>startup</a:t>
+            </a:r>
+            <a:r>
+              <a:rPr lang="en-IN" b="0" dirty="0"/>
+              <a:t> component of the application, which is our </a:t>
+            </a:r>
+            <a:r>
+              <a:rPr lang="en-IN" b="0" dirty="0" err="1"/>
+              <a:t>AppComponent</a:t>
+            </a:r>
+            <a:r>
+              <a:rPr lang="en-IN" b="0" dirty="0"/>
+              <a:t>. The </a:t>
+            </a:r>
+            <a:r>
+              <a:rPr lang="en-IN" b="0" dirty="0" err="1"/>
+              <a:t>startup</a:t>
+            </a:r>
+            <a:r>
+              <a:rPr lang="en-IN" b="0" dirty="0"/>
+              <a:t> component should contain the selector we use in the index.html file, which in this case it does.</a:t>
+            </a:r>
+          </a:p>
+          <a:p>
+            <a:pPr marL="171450" lvl="0" indent="-171450">
+              <a:buFontTx/>
+              <a:buChar char="-"/>
+            </a:pPr>
+            <a:endParaRPr lang="en-IN" b="0" dirty="0"/>
+          </a:p>
+          <a:p>
+            <a:pPr marL="171450" lvl="0" indent="-171450">
+              <a:buFontTx/>
+              <a:buChar char="-"/>
+            </a:pPr>
+            <a:endParaRPr lang="en-IN" b="0" dirty="0"/>
+          </a:p>
+          <a:p>
+            <a:pPr marL="171450" lvl="0" indent="-171450">
+              <a:buFontTx/>
+              <a:buChar char="-"/>
+            </a:pPr>
+            <a:endParaRPr lang="en-IN" b="0" dirty="0"/>
+          </a:p>
+          <a:p>
+            <a:pPr marL="171450" lvl="0" indent="-171450">
+              <a:buFontTx/>
+              <a:buChar char="-"/>
+            </a:pPr>
+            <a:r>
+              <a:rPr lang="en-IN" b="0" dirty="0"/>
+              <a:t>In any BROWSER, if you look at DEVELOPER TOOLS.  Say in CHROME browser, Use the elements tab or DOM explorer to view the HTML displayed in the page. </a:t>
+            </a:r>
+          </a:p>
+          <a:p>
+            <a:pPr marL="171450" lvl="0" indent="-171450">
+              <a:buFontTx/>
+              <a:buChar char="-"/>
+            </a:pPr>
+            <a:r>
+              <a:rPr lang="en-IN" b="0" dirty="0"/>
+              <a:t>This is a depiction of the DOM or document object model. The document object model is a document model loaded into the browser and represents our HTML as a node tree where each node is a part of our HTML.</a:t>
+            </a:r>
+          </a:p>
+        </p:txBody>
+      </p:sp>
+      <p:sp>
+        <p:nvSpPr>
+          <p:cNvPr id="4" name="Slide Number Placeholder 3"/>
+          <p:cNvSpPr>
+            <a:spLocks noGrp="1"/>
+          </p:cNvSpPr>
+          <p:nvPr>
+            <p:ph type="sldNum" sz="quarter" idx="5"/>
+          </p:nvPr>
+        </p:nvSpPr>
+        <p:spPr/>
+        <p:txBody>
+          <a:bodyPr/>
+          <a:lstStyle/>
+          <a:p>
+            <a:fld id="{113593D2-72D5-4CF2-A8CC-B00F81EF5E34}" type="slidenum">
+              <a:rPr lang="en-IN" smtClean="0"/>
+              <a:t>19</a:t>
+            </a:fld>
+            <a:endParaRPr lang="en-IN"/>
+          </a:p>
+        </p:txBody>
+      </p:sp>
+    </p:spTree>
+    <p:extLst>
+      <p:ext uri="{BB962C8B-B14F-4D97-AF65-F5344CB8AC3E}">
+        <p14:creationId xmlns:p14="http://schemas.microsoft.com/office/powerpoint/2010/main" val="313478116"/>
+      </p:ext>
+    </p:extLst>
+  </p:cSld>
+  <p:clrMapOvr>
+    <a:masterClrMapping/>
+  </p:clrMapOvr>
+</p:notes>
+</file>
+
 <file path=ppt/notesSlides/notesSlide2.xml><?xml version="1.0" encoding="utf-8"?>
 <p:notes xmlns:a="http://schemas.openxmlformats.org/drawingml/2006/main" xmlns:r="http://schemas.openxmlformats.org/officeDocument/2006/relationships" xmlns:p="http://schemas.openxmlformats.org/presentationml/2006/main">
   <p:cSld>
@@ -632,6 +1869,986 @@
     <p:extLst>
       <p:ext uri="{BB962C8B-B14F-4D97-AF65-F5344CB8AC3E}">
         <p14:creationId xmlns:p14="http://schemas.microsoft.com/office/powerpoint/2010/main" val="346871280"/>
+      </p:ext>
+    </p:extLst>
+  </p:cSld>
+  <p:clrMapOvr>
+    <a:masterClrMapping/>
+  </p:clrMapOvr>
+</p:notes>
+</file>
+
+<file path=ppt/notesSlides/notesSlide20.xml><?xml version="1.0" encoding="utf-8"?>
+<p:notes xmlns:a="http://schemas.openxmlformats.org/drawingml/2006/main" xmlns:r="http://schemas.openxmlformats.org/officeDocument/2006/relationships" xmlns:p="http://schemas.openxmlformats.org/presentationml/2006/main">
+  <p:cSld>
+    <p:spTree>
+      <p:nvGrpSpPr>
+        <p:cNvPr id="1" name=""/>
+        <p:cNvGrpSpPr/>
+        <p:nvPr/>
+      </p:nvGrpSpPr>
+      <p:grpSpPr>
+        <a:xfrm>
+          <a:off x="0" y="0"/>
+          <a:ext cx="0" cy="0"/>
+          <a:chOff x="0" y="0"/>
+          <a:chExt cx="0" cy="0"/>
+        </a:xfrm>
+      </p:grpSpPr>
+      <p:sp>
+        <p:nvSpPr>
+          <p:cNvPr id="2" name="Slide Image Placeholder 1"/>
+          <p:cNvSpPr>
+            <a:spLocks noGrp="1" noRot="1" noChangeAspect="1"/>
+          </p:cNvSpPr>
+          <p:nvPr>
+            <p:ph type="sldImg"/>
+          </p:nvPr>
+        </p:nvSpPr>
+        <p:spPr/>
+      </p:sp>
+      <p:sp>
+        <p:nvSpPr>
+          <p:cNvPr id="3" name="Notes Placeholder 2"/>
+          <p:cNvSpPr>
+            <a:spLocks noGrp="1"/>
+          </p:cNvSpPr>
+          <p:nvPr>
+            <p:ph type="body" idx="1"/>
+          </p:nvPr>
+        </p:nvSpPr>
+        <p:spPr/>
+        <p:txBody>
+          <a:bodyPr/>
+          <a:lstStyle/>
+          <a:p>
+            <a:pPr marL="171450" lvl="0" indent="-171450">
+              <a:buFontTx/>
+              <a:buChar char="-"/>
+            </a:pPr>
+            <a:endParaRPr lang="en-IN" b="0" dirty="0"/>
+          </a:p>
+        </p:txBody>
+      </p:sp>
+      <p:sp>
+        <p:nvSpPr>
+          <p:cNvPr id="4" name="Slide Number Placeholder 3"/>
+          <p:cNvSpPr>
+            <a:spLocks noGrp="1"/>
+          </p:cNvSpPr>
+          <p:nvPr>
+            <p:ph type="sldNum" sz="quarter" idx="5"/>
+          </p:nvPr>
+        </p:nvSpPr>
+        <p:spPr/>
+        <p:txBody>
+          <a:bodyPr/>
+          <a:lstStyle/>
+          <a:p>
+            <a:fld id="{113593D2-72D5-4CF2-A8CC-B00F81EF5E34}" type="slidenum">
+              <a:rPr lang="en-IN" smtClean="0"/>
+              <a:t>20</a:t>
+            </a:fld>
+            <a:endParaRPr lang="en-IN"/>
+          </a:p>
+        </p:txBody>
+      </p:sp>
+    </p:spTree>
+    <p:extLst>
+      <p:ext uri="{BB962C8B-B14F-4D97-AF65-F5344CB8AC3E}">
+        <p14:creationId xmlns:p14="http://schemas.microsoft.com/office/powerpoint/2010/main" val="1139739260"/>
+      </p:ext>
+    </p:extLst>
+  </p:cSld>
+  <p:clrMapOvr>
+    <a:masterClrMapping/>
+  </p:clrMapOvr>
+</p:notes>
+</file>
+
+<file path=ppt/notesSlides/notesSlide21.xml><?xml version="1.0" encoding="utf-8"?>
+<p:notes xmlns:a="http://schemas.openxmlformats.org/drawingml/2006/main" xmlns:r="http://schemas.openxmlformats.org/officeDocument/2006/relationships" xmlns:p="http://schemas.openxmlformats.org/presentationml/2006/main">
+  <p:cSld>
+    <p:spTree>
+      <p:nvGrpSpPr>
+        <p:cNvPr id="1" name=""/>
+        <p:cNvGrpSpPr/>
+        <p:nvPr/>
+      </p:nvGrpSpPr>
+      <p:grpSpPr>
+        <a:xfrm>
+          <a:off x="0" y="0"/>
+          <a:ext cx="0" cy="0"/>
+          <a:chOff x="0" y="0"/>
+          <a:chExt cx="0" cy="0"/>
+        </a:xfrm>
+      </p:grpSpPr>
+      <p:sp>
+        <p:nvSpPr>
+          <p:cNvPr id="2" name="Slide Image Placeholder 1"/>
+          <p:cNvSpPr>
+            <a:spLocks noGrp="1" noRot="1" noChangeAspect="1"/>
+          </p:cNvSpPr>
+          <p:nvPr>
+            <p:ph type="sldImg"/>
+          </p:nvPr>
+        </p:nvSpPr>
+        <p:spPr/>
+      </p:sp>
+      <p:sp>
+        <p:nvSpPr>
+          <p:cNvPr id="3" name="Notes Placeholder 2"/>
+          <p:cNvSpPr>
+            <a:spLocks noGrp="1"/>
+          </p:cNvSpPr>
+          <p:nvPr>
+            <p:ph type="body" idx="1"/>
+          </p:nvPr>
+        </p:nvSpPr>
+        <p:spPr/>
+        <p:txBody>
+          <a:bodyPr/>
+          <a:lstStyle/>
+          <a:p>
+            <a:pPr marL="171450" lvl="0" indent="-171450">
+              <a:buFontTx/>
+              <a:buChar char="-"/>
+            </a:pPr>
+            <a:r>
+              <a:rPr lang="en-IN" b="0" dirty="0"/>
+              <a:t>Web applications are all about the user interface and Angular makes it easier to build rich and powerful user interfaces. Angular gives us data binding so we can easily display information and respond to user actions. With Angular directives we add logic to our HTML such as if statements and for loops and with Angular components, we build nested user interface fragments such as an image rotator or rating stars. </a:t>
+            </a:r>
+          </a:p>
+          <a:p>
+            <a:pPr marL="171450" lvl="0" indent="-171450">
+              <a:buFontTx/>
+              <a:buChar char="-"/>
+            </a:pPr>
+            <a:endParaRPr lang="en-IN" b="0" dirty="0"/>
+          </a:p>
+          <a:p>
+            <a:pPr marL="171450" lvl="0" indent="-171450">
+              <a:buFontTx/>
+              <a:buChar char="-"/>
+            </a:pPr>
+            <a:r>
+              <a:rPr lang="en-IN" b="0" dirty="0"/>
+              <a:t>To know more about the bootstrap check below</a:t>
+            </a:r>
+          </a:p>
+          <a:p>
+            <a:pPr marL="171450" lvl="0" indent="-171450">
+              <a:buFontTx/>
+              <a:buChar char="-"/>
+            </a:pPr>
+            <a:r>
+              <a:rPr lang="en-IN" b="0" dirty="0"/>
+              <a:t>http://getbootstrap.com/</a:t>
+            </a:r>
+          </a:p>
+        </p:txBody>
+      </p:sp>
+      <p:sp>
+        <p:nvSpPr>
+          <p:cNvPr id="4" name="Slide Number Placeholder 3"/>
+          <p:cNvSpPr>
+            <a:spLocks noGrp="1"/>
+          </p:cNvSpPr>
+          <p:nvPr>
+            <p:ph type="sldNum" sz="quarter" idx="5"/>
+          </p:nvPr>
+        </p:nvSpPr>
+        <p:spPr/>
+        <p:txBody>
+          <a:bodyPr/>
+          <a:lstStyle/>
+          <a:p>
+            <a:fld id="{113593D2-72D5-4CF2-A8CC-B00F81EF5E34}" type="slidenum">
+              <a:rPr lang="en-IN" smtClean="0"/>
+              <a:t>21</a:t>
+            </a:fld>
+            <a:endParaRPr lang="en-IN"/>
+          </a:p>
+        </p:txBody>
+      </p:sp>
+    </p:spTree>
+    <p:extLst>
+      <p:ext uri="{BB962C8B-B14F-4D97-AF65-F5344CB8AC3E}">
+        <p14:creationId xmlns:p14="http://schemas.microsoft.com/office/powerpoint/2010/main" val="3004977576"/>
+      </p:ext>
+    </p:extLst>
+  </p:cSld>
+  <p:clrMapOvr>
+    <a:masterClrMapping/>
+  </p:clrMapOvr>
+</p:notes>
+</file>
+
+<file path=ppt/notesSlides/notesSlide22.xml><?xml version="1.0" encoding="utf-8"?>
+<p:notes xmlns:a="http://schemas.openxmlformats.org/drawingml/2006/main" xmlns:r="http://schemas.openxmlformats.org/officeDocument/2006/relationships" xmlns:p="http://schemas.openxmlformats.org/presentationml/2006/main">
+  <p:cSld>
+    <p:spTree>
+      <p:nvGrpSpPr>
+        <p:cNvPr id="1" name=""/>
+        <p:cNvGrpSpPr/>
+        <p:nvPr/>
+      </p:nvGrpSpPr>
+      <p:grpSpPr>
+        <a:xfrm>
+          <a:off x="0" y="0"/>
+          <a:ext cx="0" cy="0"/>
+          <a:chOff x="0" y="0"/>
+          <a:chExt cx="0" cy="0"/>
+        </a:xfrm>
+      </p:grpSpPr>
+      <p:sp>
+        <p:nvSpPr>
+          <p:cNvPr id="2" name="Slide Image Placeholder 1"/>
+          <p:cNvSpPr>
+            <a:spLocks noGrp="1" noRot="1" noChangeAspect="1"/>
+          </p:cNvSpPr>
+          <p:nvPr>
+            <p:ph type="sldImg"/>
+          </p:nvPr>
+        </p:nvSpPr>
+        <p:spPr/>
+      </p:sp>
+      <p:sp>
+        <p:nvSpPr>
+          <p:cNvPr id="3" name="Notes Placeholder 2"/>
+          <p:cNvSpPr>
+            <a:spLocks noGrp="1"/>
+          </p:cNvSpPr>
+          <p:nvPr>
+            <p:ph type="body" idx="1"/>
+          </p:nvPr>
+        </p:nvSpPr>
+        <p:spPr/>
+        <p:txBody>
+          <a:bodyPr/>
+          <a:lstStyle/>
+          <a:p>
+            <a:pPr marL="171450" lvl="0" indent="-171450">
+              <a:buFontTx/>
+              <a:buChar char="-"/>
+            </a:pPr>
+            <a:r>
+              <a:rPr lang="en-IN" b="0" dirty="0"/>
+              <a:t>When a new HTML tag is being processed,   Angular looks for a component that has a selector with this name. We could have hundreds of components in our application. How does our application know where to look for this selector? The application looks to the Angular module that owns this component defined all of the directives that are visible to this component. </a:t>
+            </a:r>
+          </a:p>
+          <a:p>
+            <a:pPr marL="171450" lvl="0" indent="-171450">
+              <a:buFontTx/>
+              <a:buChar char="-"/>
+            </a:pPr>
+            <a:r>
+              <a:rPr lang="en-IN" b="0" dirty="0"/>
+              <a:t>So when a component contains a directive, Angular looks to the component's module to determine which directives are visible to that component.</a:t>
+            </a:r>
+          </a:p>
+          <a:p>
+            <a:pPr marL="171450" lvl="0" indent="-171450">
+              <a:buFontTx/>
+              <a:buChar char="-"/>
+            </a:pPr>
+            <a:r>
+              <a:rPr lang="en-IN" b="0" dirty="0"/>
+              <a:t> We need to ensure that the directive is visible to any component that uses it.</a:t>
+            </a:r>
+          </a:p>
+          <a:p>
+            <a:pPr marL="171450" lvl="0" indent="-171450">
+              <a:buFontTx/>
+              <a:buChar char="-"/>
+            </a:pPr>
+            <a:endParaRPr lang="en-IN" b="0" dirty="0"/>
+          </a:p>
+          <a:p>
+            <a:pPr marL="171450" lvl="0" indent="-171450">
+              <a:buFontTx/>
+              <a:buChar char="-"/>
+            </a:pPr>
+            <a:r>
+              <a:rPr lang="en-IN" b="0" dirty="0"/>
+              <a:t>INTERPOLATION is one way binding</a:t>
+            </a:r>
+          </a:p>
+        </p:txBody>
+      </p:sp>
+      <p:sp>
+        <p:nvSpPr>
+          <p:cNvPr id="4" name="Slide Number Placeholder 3"/>
+          <p:cNvSpPr>
+            <a:spLocks noGrp="1"/>
+          </p:cNvSpPr>
+          <p:nvPr>
+            <p:ph type="sldNum" sz="quarter" idx="5"/>
+          </p:nvPr>
+        </p:nvSpPr>
+        <p:spPr/>
+        <p:txBody>
+          <a:bodyPr/>
+          <a:lstStyle/>
+          <a:p>
+            <a:fld id="{113593D2-72D5-4CF2-A8CC-B00F81EF5E34}" type="slidenum">
+              <a:rPr lang="en-IN" smtClean="0"/>
+              <a:t>22</a:t>
+            </a:fld>
+            <a:endParaRPr lang="en-IN"/>
+          </a:p>
+        </p:txBody>
+      </p:sp>
+    </p:spTree>
+    <p:extLst>
+      <p:ext uri="{BB962C8B-B14F-4D97-AF65-F5344CB8AC3E}">
+        <p14:creationId xmlns:p14="http://schemas.microsoft.com/office/powerpoint/2010/main" val="1645642272"/>
+      </p:ext>
+    </p:extLst>
+  </p:cSld>
+  <p:clrMapOvr>
+    <a:masterClrMapping/>
+  </p:clrMapOvr>
+</p:notes>
+</file>
+
+<file path=ppt/notesSlides/notesSlide23.xml><?xml version="1.0" encoding="utf-8"?>
+<p:notes xmlns:a="http://schemas.openxmlformats.org/drawingml/2006/main" xmlns:r="http://schemas.openxmlformats.org/officeDocument/2006/relationships" xmlns:p="http://schemas.openxmlformats.org/presentationml/2006/main">
+  <p:cSld>
+    <p:spTree>
+      <p:nvGrpSpPr>
+        <p:cNvPr id="1" name=""/>
+        <p:cNvGrpSpPr/>
+        <p:nvPr/>
+      </p:nvGrpSpPr>
+      <p:grpSpPr>
+        <a:xfrm>
+          <a:off x="0" y="0"/>
+          <a:ext cx="0" cy="0"/>
+          <a:chOff x="0" y="0"/>
+          <a:chExt cx="0" cy="0"/>
+        </a:xfrm>
+      </p:grpSpPr>
+      <p:sp>
+        <p:nvSpPr>
+          <p:cNvPr id="2" name="Slide Image Placeholder 1"/>
+          <p:cNvSpPr>
+            <a:spLocks noGrp="1" noRot="1" noChangeAspect="1"/>
+          </p:cNvSpPr>
+          <p:nvPr>
+            <p:ph type="sldImg"/>
+          </p:nvPr>
+        </p:nvSpPr>
+        <p:spPr/>
+      </p:sp>
+      <p:sp>
+        <p:nvSpPr>
+          <p:cNvPr id="3" name="Notes Placeholder 2"/>
+          <p:cNvSpPr>
+            <a:spLocks noGrp="1"/>
+          </p:cNvSpPr>
+          <p:nvPr>
+            <p:ph type="body" idx="1"/>
+          </p:nvPr>
+        </p:nvSpPr>
+        <p:spPr/>
+        <p:txBody>
+          <a:bodyPr/>
+          <a:lstStyle/>
+          <a:p>
+            <a:pPr marL="171450" lvl="0" indent="-171450">
+              <a:buFontTx/>
+              <a:buChar char="-"/>
+            </a:pPr>
+            <a:r>
+              <a:rPr lang="en-IN" b="0" dirty="0"/>
+              <a:t>Expression between the 2 flower braces is called as TEMPLATE EXPRESSION</a:t>
+            </a:r>
+          </a:p>
+        </p:txBody>
+      </p:sp>
+      <p:sp>
+        <p:nvSpPr>
+          <p:cNvPr id="4" name="Slide Number Placeholder 3"/>
+          <p:cNvSpPr>
+            <a:spLocks noGrp="1"/>
+          </p:cNvSpPr>
+          <p:nvPr>
+            <p:ph type="sldNum" sz="quarter" idx="5"/>
+          </p:nvPr>
+        </p:nvSpPr>
+        <p:spPr/>
+        <p:txBody>
+          <a:bodyPr/>
+          <a:lstStyle/>
+          <a:p>
+            <a:fld id="{113593D2-72D5-4CF2-A8CC-B00F81EF5E34}" type="slidenum">
+              <a:rPr lang="en-IN" smtClean="0"/>
+              <a:t>23</a:t>
+            </a:fld>
+            <a:endParaRPr lang="en-IN"/>
+          </a:p>
+        </p:txBody>
+      </p:sp>
+    </p:spTree>
+    <p:extLst>
+      <p:ext uri="{BB962C8B-B14F-4D97-AF65-F5344CB8AC3E}">
+        <p14:creationId xmlns:p14="http://schemas.microsoft.com/office/powerpoint/2010/main" val="157994926"/>
+      </p:ext>
+    </p:extLst>
+  </p:cSld>
+  <p:clrMapOvr>
+    <a:masterClrMapping/>
+  </p:clrMapOvr>
+</p:notes>
+</file>
+
+<file path=ppt/notesSlides/notesSlide24.xml><?xml version="1.0" encoding="utf-8"?>
+<p:notes xmlns:a="http://schemas.openxmlformats.org/drawingml/2006/main" xmlns:r="http://schemas.openxmlformats.org/officeDocument/2006/relationships" xmlns:p="http://schemas.openxmlformats.org/presentationml/2006/main">
+  <p:cSld>
+    <p:spTree>
+      <p:nvGrpSpPr>
+        <p:cNvPr id="1" name=""/>
+        <p:cNvGrpSpPr/>
+        <p:nvPr/>
+      </p:nvGrpSpPr>
+      <p:grpSpPr>
+        <a:xfrm>
+          <a:off x="0" y="0"/>
+          <a:ext cx="0" cy="0"/>
+          <a:chOff x="0" y="0"/>
+          <a:chExt cx="0" cy="0"/>
+        </a:xfrm>
+      </p:grpSpPr>
+      <p:sp>
+        <p:nvSpPr>
+          <p:cNvPr id="2" name="Slide Image Placeholder 1"/>
+          <p:cNvSpPr>
+            <a:spLocks noGrp="1" noRot="1" noChangeAspect="1"/>
+          </p:cNvSpPr>
+          <p:nvPr>
+            <p:ph type="sldImg"/>
+          </p:nvPr>
+        </p:nvSpPr>
+        <p:spPr/>
+      </p:sp>
+      <p:sp>
+        <p:nvSpPr>
+          <p:cNvPr id="3" name="Notes Placeholder 2"/>
+          <p:cNvSpPr>
+            <a:spLocks noGrp="1"/>
+          </p:cNvSpPr>
+          <p:nvPr>
+            <p:ph type="body" idx="1"/>
+          </p:nvPr>
+        </p:nvSpPr>
+        <p:spPr/>
+        <p:txBody>
+          <a:bodyPr/>
+          <a:lstStyle/>
+          <a:p>
+            <a:pPr marL="171450" lvl="0" indent="-171450">
+              <a:buFontTx/>
+              <a:buChar char="-"/>
+            </a:pPr>
+            <a:endParaRPr lang="en-IN" b="0" dirty="0"/>
+          </a:p>
+        </p:txBody>
+      </p:sp>
+      <p:sp>
+        <p:nvSpPr>
+          <p:cNvPr id="4" name="Slide Number Placeholder 3"/>
+          <p:cNvSpPr>
+            <a:spLocks noGrp="1"/>
+          </p:cNvSpPr>
+          <p:nvPr>
+            <p:ph type="sldNum" sz="quarter" idx="5"/>
+          </p:nvPr>
+        </p:nvSpPr>
+        <p:spPr/>
+        <p:txBody>
+          <a:bodyPr/>
+          <a:lstStyle/>
+          <a:p>
+            <a:fld id="{113593D2-72D5-4CF2-A8CC-B00F81EF5E34}" type="slidenum">
+              <a:rPr lang="en-IN" smtClean="0"/>
+              <a:t>24</a:t>
+            </a:fld>
+            <a:endParaRPr lang="en-IN"/>
+          </a:p>
+        </p:txBody>
+      </p:sp>
+    </p:spTree>
+    <p:extLst>
+      <p:ext uri="{BB962C8B-B14F-4D97-AF65-F5344CB8AC3E}">
+        <p14:creationId xmlns:p14="http://schemas.microsoft.com/office/powerpoint/2010/main" val="1791829367"/>
+      </p:ext>
+    </p:extLst>
+  </p:cSld>
+  <p:clrMapOvr>
+    <a:masterClrMapping/>
+  </p:clrMapOvr>
+</p:notes>
+</file>
+
+<file path=ppt/notesSlides/notesSlide25.xml><?xml version="1.0" encoding="utf-8"?>
+<p:notes xmlns:a="http://schemas.openxmlformats.org/drawingml/2006/main" xmlns:r="http://schemas.openxmlformats.org/officeDocument/2006/relationships" xmlns:p="http://schemas.openxmlformats.org/presentationml/2006/main">
+  <p:cSld>
+    <p:spTree>
+      <p:nvGrpSpPr>
+        <p:cNvPr id="1" name=""/>
+        <p:cNvGrpSpPr/>
+        <p:nvPr/>
+      </p:nvGrpSpPr>
+      <p:grpSpPr>
+        <a:xfrm>
+          <a:off x="0" y="0"/>
+          <a:ext cx="0" cy="0"/>
+          <a:chOff x="0" y="0"/>
+          <a:chExt cx="0" cy="0"/>
+        </a:xfrm>
+      </p:grpSpPr>
+      <p:sp>
+        <p:nvSpPr>
+          <p:cNvPr id="2" name="Slide Image Placeholder 1"/>
+          <p:cNvSpPr>
+            <a:spLocks noGrp="1" noRot="1" noChangeAspect="1"/>
+          </p:cNvSpPr>
+          <p:nvPr>
+            <p:ph type="sldImg"/>
+          </p:nvPr>
+        </p:nvSpPr>
+        <p:spPr/>
+      </p:sp>
+      <p:sp>
+        <p:nvSpPr>
+          <p:cNvPr id="3" name="Notes Placeholder 2"/>
+          <p:cNvSpPr>
+            <a:spLocks noGrp="1"/>
+          </p:cNvSpPr>
+          <p:nvPr>
+            <p:ph type="body" idx="1"/>
+          </p:nvPr>
+        </p:nvSpPr>
+        <p:spPr/>
+        <p:txBody>
+          <a:bodyPr/>
+          <a:lstStyle/>
+          <a:p>
+            <a:pPr marL="171450" lvl="0" indent="-171450">
+              <a:buFontTx/>
+              <a:buChar char="-"/>
+            </a:pPr>
+            <a:endParaRPr lang="en-IN" b="0" dirty="0"/>
+          </a:p>
+        </p:txBody>
+      </p:sp>
+      <p:sp>
+        <p:nvSpPr>
+          <p:cNvPr id="4" name="Slide Number Placeholder 3"/>
+          <p:cNvSpPr>
+            <a:spLocks noGrp="1"/>
+          </p:cNvSpPr>
+          <p:nvPr>
+            <p:ph type="sldNum" sz="quarter" idx="5"/>
+          </p:nvPr>
+        </p:nvSpPr>
+        <p:spPr/>
+        <p:txBody>
+          <a:bodyPr/>
+          <a:lstStyle/>
+          <a:p>
+            <a:fld id="{113593D2-72D5-4CF2-A8CC-B00F81EF5E34}" type="slidenum">
+              <a:rPr lang="en-IN" smtClean="0"/>
+              <a:t>25</a:t>
+            </a:fld>
+            <a:endParaRPr lang="en-IN"/>
+          </a:p>
+        </p:txBody>
+      </p:sp>
+    </p:spTree>
+    <p:extLst>
+      <p:ext uri="{BB962C8B-B14F-4D97-AF65-F5344CB8AC3E}">
+        <p14:creationId xmlns:p14="http://schemas.microsoft.com/office/powerpoint/2010/main" val="3607816807"/>
+      </p:ext>
+    </p:extLst>
+  </p:cSld>
+  <p:clrMapOvr>
+    <a:masterClrMapping/>
+  </p:clrMapOvr>
+</p:notes>
+</file>
+
+<file path=ppt/notesSlides/notesSlide26.xml><?xml version="1.0" encoding="utf-8"?>
+<p:notes xmlns:a="http://schemas.openxmlformats.org/drawingml/2006/main" xmlns:r="http://schemas.openxmlformats.org/officeDocument/2006/relationships" xmlns:p="http://schemas.openxmlformats.org/presentationml/2006/main">
+  <p:cSld>
+    <p:spTree>
+      <p:nvGrpSpPr>
+        <p:cNvPr id="1" name=""/>
+        <p:cNvGrpSpPr/>
+        <p:nvPr/>
+      </p:nvGrpSpPr>
+      <p:grpSpPr>
+        <a:xfrm>
+          <a:off x="0" y="0"/>
+          <a:ext cx="0" cy="0"/>
+          <a:chOff x="0" y="0"/>
+          <a:chExt cx="0" cy="0"/>
+        </a:xfrm>
+      </p:grpSpPr>
+      <p:sp>
+        <p:nvSpPr>
+          <p:cNvPr id="2" name="Slide Image Placeholder 1"/>
+          <p:cNvSpPr>
+            <a:spLocks noGrp="1" noRot="1" noChangeAspect="1"/>
+          </p:cNvSpPr>
+          <p:nvPr>
+            <p:ph type="sldImg"/>
+          </p:nvPr>
+        </p:nvSpPr>
+        <p:spPr/>
+      </p:sp>
+      <p:sp>
+        <p:nvSpPr>
+          <p:cNvPr id="3" name="Notes Placeholder 2"/>
+          <p:cNvSpPr>
+            <a:spLocks noGrp="1"/>
+          </p:cNvSpPr>
+          <p:nvPr>
+            <p:ph type="body" idx="1"/>
+          </p:nvPr>
+        </p:nvSpPr>
+        <p:spPr/>
+        <p:txBody>
+          <a:bodyPr/>
+          <a:lstStyle/>
+          <a:p>
+            <a:pPr marL="171450" lvl="0" indent="-171450">
+              <a:buFontTx/>
+              <a:buChar char="-"/>
+            </a:pPr>
+            <a:endParaRPr lang="en-IN" b="0" dirty="0"/>
+          </a:p>
+        </p:txBody>
+      </p:sp>
+      <p:sp>
+        <p:nvSpPr>
+          <p:cNvPr id="4" name="Slide Number Placeholder 3"/>
+          <p:cNvSpPr>
+            <a:spLocks noGrp="1"/>
+          </p:cNvSpPr>
+          <p:nvPr>
+            <p:ph type="sldNum" sz="quarter" idx="5"/>
+          </p:nvPr>
+        </p:nvSpPr>
+        <p:spPr/>
+        <p:txBody>
+          <a:bodyPr/>
+          <a:lstStyle/>
+          <a:p>
+            <a:fld id="{113593D2-72D5-4CF2-A8CC-B00F81EF5E34}" type="slidenum">
+              <a:rPr lang="en-IN" smtClean="0"/>
+              <a:t>26</a:t>
+            </a:fld>
+            <a:endParaRPr lang="en-IN"/>
+          </a:p>
+        </p:txBody>
+      </p:sp>
+    </p:spTree>
+    <p:extLst>
+      <p:ext uri="{BB962C8B-B14F-4D97-AF65-F5344CB8AC3E}">
+        <p14:creationId xmlns:p14="http://schemas.microsoft.com/office/powerpoint/2010/main" val="1046770317"/>
+      </p:ext>
+    </p:extLst>
+  </p:cSld>
+  <p:clrMapOvr>
+    <a:masterClrMapping/>
+  </p:clrMapOvr>
+</p:notes>
+</file>
+
+<file path=ppt/notesSlides/notesSlide27.xml><?xml version="1.0" encoding="utf-8"?>
+<p:notes xmlns:a="http://schemas.openxmlformats.org/drawingml/2006/main" xmlns:r="http://schemas.openxmlformats.org/officeDocument/2006/relationships" xmlns:p="http://schemas.openxmlformats.org/presentationml/2006/main">
+  <p:cSld>
+    <p:spTree>
+      <p:nvGrpSpPr>
+        <p:cNvPr id="1" name=""/>
+        <p:cNvGrpSpPr/>
+        <p:nvPr/>
+      </p:nvGrpSpPr>
+      <p:grpSpPr>
+        <a:xfrm>
+          <a:off x="0" y="0"/>
+          <a:ext cx="0" cy="0"/>
+          <a:chOff x="0" y="0"/>
+          <a:chExt cx="0" cy="0"/>
+        </a:xfrm>
+      </p:grpSpPr>
+      <p:sp>
+        <p:nvSpPr>
+          <p:cNvPr id="2" name="Slide Image Placeholder 1"/>
+          <p:cNvSpPr>
+            <a:spLocks noGrp="1" noRot="1" noChangeAspect="1"/>
+          </p:cNvSpPr>
+          <p:nvPr>
+            <p:ph type="sldImg"/>
+          </p:nvPr>
+        </p:nvSpPr>
+        <p:spPr/>
+      </p:sp>
+      <p:sp>
+        <p:nvSpPr>
+          <p:cNvPr id="3" name="Notes Placeholder 2"/>
+          <p:cNvSpPr>
+            <a:spLocks noGrp="1"/>
+          </p:cNvSpPr>
+          <p:nvPr>
+            <p:ph type="body" idx="1"/>
+          </p:nvPr>
+        </p:nvSpPr>
+        <p:spPr/>
+        <p:txBody>
+          <a:bodyPr/>
+          <a:lstStyle/>
+          <a:p>
+            <a:pPr marL="171450" lvl="0" indent="-171450">
+              <a:buFontTx/>
+              <a:buChar char="-"/>
+            </a:pPr>
+            <a:endParaRPr lang="en-IN" b="0" dirty="0"/>
+          </a:p>
+        </p:txBody>
+      </p:sp>
+      <p:sp>
+        <p:nvSpPr>
+          <p:cNvPr id="4" name="Slide Number Placeholder 3"/>
+          <p:cNvSpPr>
+            <a:spLocks noGrp="1"/>
+          </p:cNvSpPr>
+          <p:nvPr>
+            <p:ph type="sldNum" sz="quarter" idx="5"/>
+          </p:nvPr>
+        </p:nvSpPr>
+        <p:spPr/>
+        <p:txBody>
+          <a:bodyPr/>
+          <a:lstStyle/>
+          <a:p>
+            <a:fld id="{113593D2-72D5-4CF2-A8CC-B00F81EF5E34}" type="slidenum">
+              <a:rPr lang="en-IN" smtClean="0"/>
+              <a:t>27</a:t>
+            </a:fld>
+            <a:endParaRPr lang="en-IN"/>
+          </a:p>
+        </p:txBody>
+      </p:sp>
+    </p:spTree>
+    <p:extLst>
+      <p:ext uri="{BB962C8B-B14F-4D97-AF65-F5344CB8AC3E}">
+        <p14:creationId xmlns:p14="http://schemas.microsoft.com/office/powerpoint/2010/main" val="2044431869"/>
+      </p:ext>
+    </p:extLst>
+  </p:cSld>
+  <p:clrMapOvr>
+    <a:masterClrMapping/>
+  </p:clrMapOvr>
+</p:notes>
+</file>
+
+<file path=ppt/notesSlides/notesSlide28.xml><?xml version="1.0" encoding="utf-8"?>
+<p:notes xmlns:a="http://schemas.openxmlformats.org/drawingml/2006/main" xmlns:r="http://schemas.openxmlformats.org/officeDocument/2006/relationships" xmlns:p="http://schemas.openxmlformats.org/presentationml/2006/main">
+  <p:cSld>
+    <p:spTree>
+      <p:nvGrpSpPr>
+        <p:cNvPr id="1" name=""/>
+        <p:cNvGrpSpPr/>
+        <p:nvPr/>
+      </p:nvGrpSpPr>
+      <p:grpSpPr>
+        <a:xfrm>
+          <a:off x="0" y="0"/>
+          <a:ext cx="0" cy="0"/>
+          <a:chOff x="0" y="0"/>
+          <a:chExt cx="0" cy="0"/>
+        </a:xfrm>
+      </p:grpSpPr>
+      <p:sp>
+        <p:nvSpPr>
+          <p:cNvPr id="2" name="Slide Image Placeholder 1"/>
+          <p:cNvSpPr>
+            <a:spLocks noGrp="1" noRot="1" noChangeAspect="1"/>
+          </p:cNvSpPr>
+          <p:nvPr>
+            <p:ph type="sldImg"/>
+          </p:nvPr>
+        </p:nvSpPr>
+        <p:spPr/>
+      </p:sp>
+      <p:sp>
+        <p:nvSpPr>
+          <p:cNvPr id="3" name="Notes Placeholder 2"/>
+          <p:cNvSpPr>
+            <a:spLocks noGrp="1"/>
+          </p:cNvSpPr>
+          <p:nvPr>
+            <p:ph type="body" idx="1"/>
+          </p:nvPr>
+        </p:nvSpPr>
+        <p:spPr/>
+        <p:txBody>
+          <a:bodyPr/>
+          <a:lstStyle/>
+          <a:p>
+            <a:pPr marL="171450" lvl="0" indent="-171450">
+              <a:buFontTx/>
+              <a:buChar char="-"/>
+            </a:pPr>
+            <a:endParaRPr lang="en-IN" b="0" dirty="0"/>
+          </a:p>
+        </p:txBody>
+      </p:sp>
+      <p:sp>
+        <p:nvSpPr>
+          <p:cNvPr id="4" name="Slide Number Placeholder 3"/>
+          <p:cNvSpPr>
+            <a:spLocks noGrp="1"/>
+          </p:cNvSpPr>
+          <p:nvPr>
+            <p:ph type="sldNum" sz="quarter" idx="5"/>
+          </p:nvPr>
+        </p:nvSpPr>
+        <p:spPr/>
+        <p:txBody>
+          <a:bodyPr/>
+          <a:lstStyle/>
+          <a:p>
+            <a:fld id="{113593D2-72D5-4CF2-A8CC-B00F81EF5E34}" type="slidenum">
+              <a:rPr lang="en-IN" smtClean="0"/>
+              <a:t>28</a:t>
+            </a:fld>
+            <a:endParaRPr lang="en-IN"/>
+          </a:p>
+        </p:txBody>
+      </p:sp>
+    </p:spTree>
+    <p:extLst>
+      <p:ext uri="{BB962C8B-B14F-4D97-AF65-F5344CB8AC3E}">
+        <p14:creationId xmlns:p14="http://schemas.microsoft.com/office/powerpoint/2010/main" val="928739348"/>
+      </p:ext>
+    </p:extLst>
+  </p:cSld>
+  <p:clrMapOvr>
+    <a:masterClrMapping/>
+  </p:clrMapOvr>
+</p:notes>
+</file>
+
+<file path=ppt/notesSlides/notesSlide29.xml><?xml version="1.0" encoding="utf-8"?>
+<p:notes xmlns:a="http://schemas.openxmlformats.org/drawingml/2006/main" xmlns:r="http://schemas.openxmlformats.org/officeDocument/2006/relationships" xmlns:p="http://schemas.openxmlformats.org/presentationml/2006/main">
+  <p:cSld>
+    <p:spTree>
+      <p:nvGrpSpPr>
+        <p:cNvPr id="1" name=""/>
+        <p:cNvGrpSpPr/>
+        <p:nvPr/>
+      </p:nvGrpSpPr>
+      <p:grpSpPr>
+        <a:xfrm>
+          <a:off x="0" y="0"/>
+          <a:ext cx="0" cy="0"/>
+          <a:chOff x="0" y="0"/>
+          <a:chExt cx="0" cy="0"/>
+        </a:xfrm>
+      </p:grpSpPr>
+      <p:sp>
+        <p:nvSpPr>
+          <p:cNvPr id="2" name="Slide Image Placeholder 1"/>
+          <p:cNvSpPr>
+            <a:spLocks noGrp="1" noRot="1" noChangeAspect="1"/>
+          </p:cNvSpPr>
+          <p:nvPr>
+            <p:ph type="sldImg"/>
+          </p:nvPr>
+        </p:nvSpPr>
+        <p:spPr/>
+      </p:sp>
+      <p:sp>
+        <p:nvSpPr>
+          <p:cNvPr id="3" name="Notes Placeholder 2"/>
+          <p:cNvSpPr>
+            <a:spLocks noGrp="1"/>
+          </p:cNvSpPr>
+          <p:nvPr>
+            <p:ph type="body" idx="1"/>
+          </p:nvPr>
+        </p:nvSpPr>
+        <p:spPr/>
+        <p:txBody>
+          <a:bodyPr/>
+          <a:lstStyle/>
+          <a:p>
+            <a:pPr marL="171450" lvl="0" indent="-171450">
+              <a:buFontTx/>
+              <a:buChar char="-"/>
+            </a:pPr>
+            <a:r>
+              <a:rPr lang="en-IN" b="0" dirty="0"/>
+              <a:t>FOR EASY REMEMBERENCE</a:t>
+            </a:r>
+          </a:p>
+          <a:p>
+            <a:pPr marL="171450" lvl="0" indent="-171450">
+              <a:buFontTx/>
+              <a:buChar char="-"/>
+            </a:pPr>
+            <a:endParaRPr lang="en-IN" b="0" dirty="0"/>
+          </a:p>
+          <a:p>
+            <a:pPr marL="171450" lvl="0" indent="-171450">
+              <a:buFontTx/>
+              <a:buChar char="-"/>
+            </a:pPr>
+            <a:endParaRPr lang="en-IN" b="0" dirty="0"/>
+          </a:p>
+          <a:p>
+            <a:pPr marL="171450" lvl="0" indent="-171450">
+              <a:buFontTx/>
+              <a:buChar char="-"/>
+            </a:pPr>
+            <a:r>
+              <a:rPr lang="en-IN" b="0" dirty="0"/>
+              <a:t>IN ====   Iterating the INDEX</a:t>
+            </a:r>
+          </a:p>
+        </p:txBody>
+      </p:sp>
+      <p:sp>
+        <p:nvSpPr>
+          <p:cNvPr id="4" name="Slide Number Placeholder 3"/>
+          <p:cNvSpPr>
+            <a:spLocks noGrp="1"/>
+          </p:cNvSpPr>
+          <p:nvPr>
+            <p:ph type="sldNum" sz="quarter" idx="5"/>
+          </p:nvPr>
+        </p:nvSpPr>
+        <p:spPr/>
+        <p:txBody>
+          <a:bodyPr/>
+          <a:lstStyle/>
+          <a:p>
+            <a:fld id="{113593D2-72D5-4CF2-A8CC-B00F81EF5E34}" type="slidenum">
+              <a:rPr lang="en-IN" smtClean="0"/>
+              <a:t>29</a:t>
+            </a:fld>
+            <a:endParaRPr lang="en-IN"/>
+          </a:p>
+        </p:txBody>
+      </p:sp>
+    </p:spTree>
+    <p:extLst>
+      <p:ext uri="{BB962C8B-B14F-4D97-AF65-F5344CB8AC3E}">
+        <p14:creationId xmlns:p14="http://schemas.microsoft.com/office/powerpoint/2010/main" val="4275585341"/>
       </p:ext>
     </p:extLst>
   </p:cSld>
@@ -4752,6 +6969,622 @@
 </p:sld>
 </file>
 
+<file path=ppt/slides/slide10.xml><?xml version="1.0" encoding="utf-8"?>
+<p:sld xmlns:a="http://schemas.openxmlformats.org/drawingml/2006/main" xmlns:r="http://schemas.openxmlformats.org/officeDocument/2006/relationships" xmlns:p="http://schemas.openxmlformats.org/presentationml/2006/main">
+  <p:cSld>
+    <p:spTree>
+      <p:nvGrpSpPr>
+        <p:cNvPr id="1" name=""/>
+        <p:cNvGrpSpPr/>
+        <p:nvPr/>
+      </p:nvGrpSpPr>
+      <p:grpSpPr>
+        <a:xfrm>
+          <a:off x="0" y="0"/>
+          <a:ext cx="0" cy="0"/>
+          <a:chOff x="0" y="0"/>
+          <a:chExt cx="0" cy="0"/>
+        </a:xfrm>
+      </p:grpSpPr>
+      <p:pic>
+        <p:nvPicPr>
+          <p:cNvPr id="3" name="Picture 2">
+            <a:extLst>
+              <a:ext uri="{FF2B5EF4-FFF2-40B4-BE49-F238E27FC236}">
+                <a16:creationId xmlns:a16="http://schemas.microsoft.com/office/drawing/2014/main" id="{2068782D-B63E-4E54-97D7-686F3B8BB843}"/>
+              </a:ext>
+            </a:extLst>
+          </p:cNvPr>
+          <p:cNvPicPr>
+            <a:picLocks noChangeAspect="1"/>
+          </p:cNvPicPr>
+          <p:nvPr/>
+        </p:nvPicPr>
+        <p:blipFill>
+          <a:blip r:embed="rId3"/>
+          <a:stretch>
+            <a:fillRect/>
+          </a:stretch>
+        </p:blipFill>
+        <p:spPr>
+          <a:xfrm>
+            <a:off x="647228" y="704614"/>
+            <a:ext cx="10897544" cy="5448772"/>
+          </a:xfrm>
+          <a:prstGeom prst="rect">
+            <a:avLst/>
+          </a:prstGeom>
+        </p:spPr>
+      </p:pic>
+    </p:spTree>
+    <p:extLst>
+      <p:ext uri="{BB962C8B-B14F-4D97-AF65-F5344CB8AC3E}">
+        <p14:creationId xmlns:p14="http://schemas.microsoft.com/office/powerpoint/2010/main" val="1938185661"/>
+      </p:ext>
+    </p:extLst>
+  </p:cSld>
+  <p:clrMapOvr>
+    <a:masterClrMapping/>
+  </p:clrMapOvr>
+</p:sld>
+</file>
+
+<file path=ppt/slides/slide11.xml><?xml version="1.0" encoding="utf-8"?>
+<p:sld xmlns:a="http://schemas.openxmlformats.org/drawingml/2006/main" xmlns:r="http://schemas.openxmlformats.org/officeDocument/2006/relationships" xmlns:p="http://schemas.openxmlformats.org/presentationml/2006/main">
+  <p:cSld>
+    <p:spTree>
+      <p:nvGrpSpPr>
+        <p:cNvPr id="1" name=""/>
+        <p:cNvGrpSpPr/>
+        <p:nvPr/>
+      </p:nvGrpSpPr>
+      <p:grpSpPr>
+        <a:xfrm>
+          <a:off x="0" y="0"/>
+          <a:ext cx="0" cy="0"/>
+          <a:chOff x="0" y="0"/>
+          <a:chExt cx="0" cy="0"/>
+        </a:xfrm>
+      </p:grpSpPr>
+      <p:pic>
+        <p:nvPicPr>
+          <p:cNvPr id="2" name="Picture 1">
+            <a:extLst>
+              <a:ext uri="{FF2B5EF4-FFF2-40B4-BE49-F238E27FC236}">
+                <a16:creationId xmlns:a16="http://schemas.microsoft.com/office/drawing/2014/main" id="{61CAE1FF-0A47-420E-A67C-E24CD5938C8E}"/>
+              </a:ext>
+            </a:extLst>
+          </p:cNvPr>
+          <p:cNvPicPr>
+            <a:picLocks noChangeAspect="1"/>
+          </p:cNvPicPr>
+          <p:nvPr/>
+        </p:nvPicPr>
+        <p:blipFill>
+          <a:blip r:embed="rId3"/>
+          <a:stretch>
+            <a:fillRect/>
+          </a:stretch>
+        </p:blipFill>
+        <p:spPr>
+          <a:xfrm>
+            <a:off x="742486" y="864648"/>
+            <a:ext cx="10707028" cy="5128704"/>
+          </a:xfrm>
+          <a:prstGeom prst="rect">
+            <a:avLst/>
+          </a:prstGeom>
+        </p:spPr>
+      </p:pic>
+    </p:spTree>
+    <p:extLst>
+      <p:ext uri="{BB962C8B-B14F-4D97-AF65-F5344CB8AC3E}">
+        <p14:creationId xmlns:p14="http://schemas.microsoft.com/office/powerpoint/2010/main" val="3285184691"/>
+      </p:ext>
+    </p:extLst>
+  </p:cSld>
+  <p:clrMapOvr>
+    <a:masterClrMapping/>
+  </p:clrMapOvr>
+</p:sld>
+</file>
+
+<file path=ppt/slides/slide12.xml><?xml version="1.0" encoding="utf-8"?>
+<p:sld xmlns:a="http://schemas.openxmlformats.org/drawingml/2006/main" xmlns:r="http://schemas.openxmlformats.org/officeDocument/2006/relationships" xmlns:p="http://schemas.openxmlformats.org/presentationml/2006/main">
+  <p:cSld>
+    <p:spTree>
+      <p:nvGrpSpPr>
+        <p:cNvPr id="1" name=""/>
+        <p:cNvGrpSpPr/>
+        <p:nvPr/>
+      </p:nvGrpSpPr>
+      <p:grpSpPr>
+        <a:xfrm>
+          <a:off x="0" y="0"/>
+          <a:ext cx="0" cy="0"/>
+          <a:chOff x="0" y="0"/>
+          <a:chExt cx="0" cy="0"/>
+        </a:xfrm>
+      </p:grpSpPr>
+      <p:pic>
+        <p:nvPicPr>
+          <p:cNvPr id="3" name="Picture 2">
+            <a:extLst>
+              <a:ext uri="{FF2B5EF4-FFF2-40B4-BE49-F238E27FC236}">
+                <a16:creationId xmlns:a16="http://schemas.microsoft.com/office/drawing/2014/main" id="{2785E2EB-61AA-4D80-A76F-345F26D7462B}"/>
+              </a:ext>
+            </a:extLst>
+          </p:cNvPr>
+          <p:cNvPicPr>
+            <a:picLocks noChangeAspect="1"/>
+          </p:cNvPicPr>
+          <p:nvPr/>
+        </p:nvPicPr>
+        <p:blipFill>
+          <a:blip r:embed="rId3"/>
+          <a:stretch>
+            <a:fillRect/>
+          </a:stretch>
+        </p:blipFill>
+        <p:spPr>
+          <a:xfrm>
+            <a:off x="675861" y="359448"/>
+            <a:ext cx="10628243" cy="5957983"/>
+          </a:xfrm>
+          <a:prstGeom prst="rect">
+            <a:avLst/>
+          </a:prstGeom>
+        </p:spPr>
+      </p:pic>
+    </p:spTree>
+    <p:extLst>
+      <p:ext uri="{BB962C8B-B14F-4D97-AF65-F5344CB8AC3E}">
+        <p14:creationId xmlns:p14="http://schemas.microsoft.com/office/powerpoint/2010/main" val="2477568926"/>
+      </p:ext>
+    </p:extLst>
+  </p:cSld>
+  <p:clrMapOvr>
+    <a:masterClrMapping/>
+  </p:clrMapOvr>
+</p:sld>
+</file>
+
+<file path=ppt/slides/slide13.xml><?xml version="1.0" encoding="utf-8"?>
+<p:sld xmlns:a="http://schemas.openxmlformats.org/drawingml/2006/main" xmlns:r="http://schemas.openxmlformats.org/officeDocument/2006/relationships" xmlns:p="http://schemas.openxmlformats.org/presentationml/2006/main">
+  <p:cSld>
+    <p:spTree>
+      <p:nvGrpSpPr>
+        <p:cNvPr id="1" name=""/>
+        <p:cNvGrpSpPr/>
+        <p:nvPr/>
+      </p:nvGrpSpPr>
+      <p:grpSpPr>
+        <a:xfrm>
+          <a:off x="0" y="0"/>
+          <a:ext cx="0" cy="0"/>
+          <a:chOff x="0" y="0"/>
+          <a:chExt cx="0" cy="0"/>
+        </a:xfrm>
+      </p:grpSpPr>
+      <p:pic>
+        <p:nvPicPr>
+          <p:cNvPr id="3" name="Picture 2">
+            <a:extLst>
+              <a:ext uri="{FF2B5EF4-FFF2-40B4-BE49-F238E27FC236}">
+                <a16:creationId xmlns:a16="http://schemas.microsoft.com/office/drawing/2014/main" id="{2785E2EB-61AA-4D80-A76F-345F26D7462B}"/>
+              </a:ext>
+            </a:extLst>
+          </p:cNvPr>
+          <p:cNvPicPr>
+            <a:picLocks noChangeAspect="1"/>
+          </p:cNvPicPr>
+          <p:nvPr/>
+        </p:nvPicPr>
+        <p:blipFill>
+          <a:blip r:embed="rId3">
+            <a:extLst>
+              <a:ext uri="{28A0092B-C50C-407E-A947-70E740481C1C}">
+                <a14:useLocalDpi xmlns:a14="http://schemas.microsoft.com/office/drawing/2010/main" val="0"/>
+              </a:ext>
+            </a:extLst>
+          </a:blip>
+          <a:srcRect/>
+          <a:stretch/>
+        </p:blipFill>
+        <p:spPr>
+          <a:xfrm>
+            <a:off x="1270869" y="359448"/>
+            <a:ext cx="9438227" cy="5957983"/>
+          </a:xfrm>
+          <a:prstGeom prst="rect">
+            <a:avLst/>
+          </a:prstGeom>
+        </p:spPr>
+      </p:pic>
+    </p:spTree>
+    <p:extLst>
+      <p:ext uri="{BB962C8B-B14F-4D97-AF65-F5344CB8AC3E}">
+        <p14:creationId xmlns:p14="http://schemas.microsoft.com/office/powerpoint/2010/main" val="2921449570"/>
+      </p:ext>
+    </p:extLst>
+  </p:cSld>
+  <p:clrMapOvr>
+    <a:masterClrMapping/>
+  </p:clrMapOvr>
+</p:sld>
+</file>
+
+<file path=ppt/slides/slide14.xml><?xml version="1.0" encoding="utf-8"?>
+<p:sld xmlns:a="http://schemas.openxmlformats.org/drawingml/2006/main" xmlns:r="http://schemas.openxmlformats.org/officeDocument/2006/relationships" xmlns:p="http://schemas.openxmlformats.org/presentationml/2006/main">
+  <p:cSld>
+    <p:spTree>
+      <p:nvGrpSpPr>
+        <p:cNvPr id="1" name=""/>
+        <p:cNvGrpSpPr/>
+        <p:nvPr/>
+      </p:nvGrpSpPr>
+      <p:grpSpPr>
+        <a:xfrm>
+          <a:off x="0" y="0"/>
+          <a:ext cx="0" cy="0"/>
+          <a:chOff x="0" y="0"/>
+          <a:chExt cx="0" cy="0"/>
+        </a:xfrm>
+      </p:grpSpPr>
+      <p:pic>
+        <p:nvPicPr>
+          <p:cNvPr id="2" name="Picture 1">
+            <a:extLst>
+              <a:ext uri="{FF2B5EF4-FFF2-40B4-BE49-F238E27FC236}">
+                <a16:creationId xmlns:a16="http://schemas.microsoft.com/office/drawing/2014/main" id="{EF76014F-F663-45CB-BCAE-B80D1D4145BD}"/>
+              </a:ext>
+            </a:extLst>
+          </p:cNvPr>
+          <p:cNvPicPr>
+            <a:picLocks noChangeAspect="1"/>
+          </p:cNvPicPr>
+          <p:nvPr/>
+        </p:nvPicPr>
+        <p:blipFill>
+          <a:blip r:embed="rId3"/>
+          <a:stretch>
+            <a:fillRect/>
+          </a:stretch>
+        </p:blipFill>
+        <p:spPr>
+          <a:xfrm>
+            <a:off x="1596000" y="1805799"/>
+            <a:ext cx="9000000" cy="3246401"/>
+          </a:xfrm>
+          <a:prstGeom prst="rect">
+            <a:avLst/>
+          </a:prstGeom>
+        </p:spPr>
+      </p:pic>
+    </p:spTree>
+    <p:extLst>
+      <p:ext uri="{BB962C8B-B14F-4D97-AF65-F5344CB8AC3E}">
+        <p14:creationId xmlns:p14="http://schemas.microsoft.com/office/powerpoint/2010/main" val="1930545287"/>
+      </p:ext>
+    </p:extLst>
+  </p:cSld>
+  <p:clrMapOvr>
+    <a:masterClrMapping/>
+  </p:clrMapOvr>
+</p:sld>
+</file>
+
+<file path=ppt/slides/slide15.xml><?xml version="1.0" encoding="utf-8"?>
+<p:sld xmlns:a="http://schemas.openxmlformats.org/drawingml/2006/main" xmlns:r="http://schemas.openxmlformats.org/officeDocument/2006/relationships" xmlns:p="http://schemas.openxmlformats.org/presentationml/2006/main">
+  <p:cSld>
+    <p:spTree>
+      <p:nvGrpSpPr>
+        <p:cNvPr id="1" name=""/>
+        <p:cNvGrpSpPr/>
+        <p:nvPr/>
+      </p:nvGrpSpPr>
+      <p:grpSpPr>
+        <a:xfrm>
+          <a:off x="0" y="0"/>
+          <a:ext cx="0" cy="0"/>
+          <a:chOff x="0" y="0"/>
+          <a:chExt cx="0" cy="0"/>
+        </a:xfrm>
+      </p:grpSpPr>
+      <p:pic>
+        <p:nvPicPr>
+          <p:cNvPr id="3" name="Picture 2">
+            <a:extLst>
+              <a:ext uri="{FF2B5EF4-FFF2-40B4-BE49-F238E27FC236}">
+                <a16:creationId xmlns:a16="http://schemas.microsoft.com/office/drawing/2014/main" id="{2A5588DE-CE9C-4480-8E32-717A30C5A20F}"/>
+              </a:ext>
+            </a:extLst>
+          </p:cNvPr>
+          <p:cNvPicPr>
+            <a:picLocks noChangeAspect="1"/>
+          </p:cNvPicPr>
+          <p:nvPr/>
+        </p:nvPicPr>
+        <p:blipFill>
+          <a:blip r:embed="rId3"/>
+          <a:stretch>
+            <a:fillRect/>
+          </a:stretch>
+        </p:blipFill>
+        <p:spPr>
+          <a:xfrm>
+            <a:off x="540538" y="1058974"/>
+            <a:ext cx="11110923" cy="4740051"/>
+          </a:xfrm>
+          <a:prstGeom prst="rect">
+            <a:avLst/>
+          </a:prstGeom>
+        </p:spPr>
+      </p:pic>
+    </p:spTree>
+    <p:extLst>
+      <p:ext uri="{BB962C8B-B14F-4D97-AF65-F5344CB8AC3E}">
+        <p14:creationId xmlns:p14="http://schemas.microsoft.com/office/powerpoint/2010/main" val="4194372128"/>
+      </p:ext>
+    </p:extLst>
+  </p:cSld>
+  <p:clrMapOvr>
+    <a:masterClrMapping/>
+  </p:clrMapOvr>
+</p:sld>
+</file>
+
+<file path=ppt/slides/slide16.xml><?xml version="1.0" encoding="utf-8"?>
+<p:sld xmlns:a="http://schemas.openxmlformats.org/drawingml/2006/main" xmlns:r="http://schemas.openxmlformats.org/officeDocument/2006/relationships" xmlns:p="http://schemas.openxmlformats.org/presentationml/2006/main">
+  <p:cSld>
+    <p:spTree>
+      <p:nvGrpSpPr>
+        <p:cNvPr id="1" name=""/>
+        <p:cNvGrpSpPr/>
+        <p:nvPr/>
+      </p:nvGrpSpPr>
+      <p:grpSpPr>
+        <a:xfrm>
+          <a:off x="0" y="0"/>
+          <a:ext cx="0" cy="0"/>
+          <a:chOff x="0" y="0"/>
+          <a:chExt cx="0" cy="0"/>
+        </a:xfrm>
+      </p:grpSpPr>
+      <p:pic>
+        <p:nvPicPr>
+          <p:cNvPr id="2" name="Picture 1">
+            <a:extLst>
+              <a:ext uri="{FF2B5EF4-FFF2-40B4-BE49-F238E27FC236}">
+                <a16:creationId xmlns:a16="http://schemas.microsoft.com/office/drawing/2014/main" id="{4D74771A-A3AE-41AE-B746-8A3FFFE242E1}"/>
+              </a:ext>
+            </a:extLst>
+          </p:cNvPr>
+          <p:cNvPicPr>
+            <a:picLocks noChangeAspect="1"/>
+          </p:cNvPicPr>
+          <p:nvPr/>
+        </p:nvPicPr>
+        <p:blipFill>
+          <a:blip r:embed="rId3"/>
+          <a:stretch>
+            <a:fillRect/>
+          </a:stretch>
+        </p:blipFill>
+        <p:spPr>
+          <a:xfrm>
+            <a:off x="479573" y="1207577"/>
+            <a:ext cx="11232853" cy="4442845"/>
+          </a:xfrm>
+          <a:prstGeom prst="rect">
+            <a:avLst/>
+          </a:prstGeom>
+        </p:spPr>
+      </p:pic>
+    </p:spTree>
+    <p:extLst>
+      <p:ext uri="{BB962C8B-B14F-4D97-AF65-F5344CB8AC3E}">
+        <p14:creationId xmlns:p14="http://schemas.microsoft.com/office/powerpoint/2010/main" val="560855642"/>
+      </p:ext>
+    </p:extLst>
+  </p:cSld>
+  <p:clrMapOvr>
+    <a:masterClrMapping/>
+  </p:clrMapOvr>
+</p:sld>
+</file>
+
+<file path=ppt/slides/slide17.xml><?xml version="1.0" encoding="utf-8"?>
+<p:sld xmlns:a="http://schemas.openxmlformats.org/drawingml/2006/main" xmlns:r="http://schemas.openxmlformats.org/officeDocument/2006/relationships" xmlns:p="http://schemas.openxmlformats.org/presentationml/2006/main">
+  <p:cSld>
+    <p:spTree>
+      <p:nvGrpSpPr>
+        <p:cNvPr id="1" name=""/>
+        <p:cNvGrpSpPr/>
+        <p:nvPr/>
+      </p:nvGrpSpPr>
+      <p:grpSpPr>
+        <a:xfrm>
+          <a:off x="0" y="0"/>
+          <a:ext cx="0" cy="0"/>
+          <a:chOff x="0" y="0"/>
+          <a:chExt cx="0" cy="0"/>
+        </a:xfrm>
+      </p:grpSpPr>
+      <p:pic>
+        <p:nvPicPr>
+          <p:cNvPr id="2" name="Picture 1">
+            <a:extLst>
+              <a:ext uri="{FF2B5EF4-FFF2-40B4-BE49-F238E27FC236}">
+                <a16:creationId xmlns:a16="http://schemas.microsoft.com/office/drawing/2014/main" id="{4D74771A-A3AE-41AE-B746-8A3FFFE242E1}"/>
+              </a:ext>
+            </a:extLst>
+          </p:cNvPr>
+          <p:cNvPicPr>
+            <a:picLocks noChangeAspect="1"/>
+          </p:cNvPicPr>
+          <p:nvPr/>
+        </p:nvPicPr>
+        <p:blipFill>
+          <a:blip r:embed="rId3">
+            <a:extLst>
+              <a:ext uri="{28A0092B-C50C-407E-A947-70E740481C1C}">
+                <a14:useLocalDpi xmlns:a14="http://schemas.microsoft.com/office/drawing/2010/main" val="0"/>
+              </a:ext>
+            </a:extLst>
+          </a:blip>
+          <a:srcRect/>
+          <a:stretch/>
+        </p:blipFill>
+        <p:spPr>
+          <a:xfrm>
+            <a:off x="1174843" y="1207577"/>
+            <a:ext cx="9842313" cy="4442845"/>
+          </a:xfrm>
+          <a:prstGeom prst="rect">
+            <a:avLst/>
+          </a:prstGeom>
+        </p:spPr>
+      </p:pic>
+    </p:spTree>
+    <p:extLst>
+      <p:ext uri="{BB962C8B-B14F-4D97-AF65-F5344CB8AC3E}">
+        <p14:creationId xmlns:p14="http://schemas.microsoft.com/office/powerpoint/2010/main" val="3340166268"/>
+      </p:ext>
+    </p:extLst>
+  </p:cSld>
+  <p:clrMapOvr>
+    <a:masterClrMapping/>
+  </p:clrMapOvr>
+</p:sld>
+</file>
+
+<file path=ppt/slides/slide18.xml><?xml version="1.0" encoding="utf-8"?>
+<p:sld xmlns:a="http://schemas.openxmlformats.org/drawingml/2006/main" xmlns:r="http://schemas.openxmlformats.org/officeDocument/2006/relationships" xmlns:p="http://schemas.openxmlformats.org/presentationml/2006/main">
+  <p:cSld>
+    <p:spTree>
+      <p:nvGrpSpPr>
+        <p:cNvPr id="1" name=""/>
+        <p:cNvGrpSpPr/>
+        <p:nvPr/>
+      </p:nvGrpSpPr>
+      <p:grpSpPr>
+        <a:xfrm>
+          <a:off x="0" y="0"/>
+          <a:ext cx="0" cy="0"/>
+          <a:chOff x="0" y="0"/>
+          <a:chExt cx="0" cy="0"/>
+        </a:xfrm>
+      </p:grpSpPr>
+      <p:pic>
+        <p:nvPicPr>
+          <p:cNvPr id="4" name="Picture 3" descr="Diagram&#10;&#10;Description automatically generated">
+            <a:extLst>
+              <a:ext uri="{FF2B5EF4-FFF2-40B4-BE49-F238E27FC236}">
+                <a16:creationId xmlns:a16="http://schemas.microsoft.com/office/drawing/2014/main" id="{DF00EA1A-3C8C-44DE-A6CC-47A81EB3CD88}"/>
+              </a:ext>
+            </a:extLst>
+          </p:cNvPr>
+          <p:cNvPicPr>
+            <a:picLocks noChangeAspect="1"/>
+          </p:cNvPicPr>
+          <p:nvPr/>
+        </p:nvPicPr>
+        <p:blipFill>
+          <a:blip r:embed="rId3">
+            <a:extLst>
+              <a:ext uri="{28A0092B-C50C-407E-A947-70E740481C1C}">
+                <a14:useLocalDpi xmlns:a14="http://schemas.microsoft.com/office/drawing/2010/main" val="0"/>
+              </a:ext>
+            </a:extLst>
+          </a:blip>
+          <a:stretch>
+            <a:fillRect/>
+          </a:stretch>
+        </p:blipFill>
+        <p:spPr>
+          <a:xfrm>
+            <a:off x="445280" y="1405714"/>
+            <a:ext cx="11301439" cy="4046571"/>
+          </a:xfrm>
+          <a:prstGeom prst="rect">
+            <a:avLst/>
+          </a:prstGeom>
+        </p:spPr>
+      </p:pic>
+    </p:spTree>
+    <p:extLst>
+      <p:ext uri="{BB962C8B-B14F-4D97-AF65-F5344CB8AC3E}">
+        <p14:creationId xmlns:p14="http://schemas.microsoft.com/office/powerpoint/2010/main" val="1197178164"/>
+      </p:ext>
+    </p:extLst>
+  </p:cSld>
+  <p:clrMapOvr>
+    <a:masterClrMapping/>
+  </p:clrMapOvr>
+</p:sld>
+</file>
+
+<file path=ppt/slides/slide19.xml><?xml version="1.0" encoding="utf-8"?>
+<p:sld xmlns:a="http://schemas.openxmlformats.org/drawingml/2006/main" xmlns:r="http://schemas.openxmlformats.org/officeDocument/2006/relationships" xmlns:p="http://schemas.openxmlformats.org/presentationml/2006/main">
+  <p:cSld>
+    <p:spTree>
+      <p:nvGrpSpPr>
+        <p:cNvPr id="1" name=""/>
+        <p:cNvGrpSpPr/>
+        <p:nvPr/>
+      </p:nvGrpSpPr>
+      <p:grpSpPr>
+        <a:xfrm>
+          <a:off x="0" y="0"/>
+          <a:ext cx="0" cy="0"/>
+          <a:chOff x="0" y="0"/>
+          <a:chExt cx="0" cy="0"/>
+        </a:xfrm>
+      </p:grpSpPr>
+      <p:pic>
+        <p:nvPicPr>
+          <p:cNvPr id="2" name="Picture 1">
+            <a:extLst>
+              <a:ext uri="{FF2B5EF4-FFF2-40B4-BE49-F238E27FC236}">
+                <a16:creationId xmlns:a16="http://schemas.microsoft.com/office/drawing/2014/main" id="{026953BC-6357-4DB1-826E-D76F10655EAE}"/>
+              </a:ext>
+            </a:extLst>
+          </p:cNvPr>
+          <p:cNvPicPr>
+            <a:picLocks noChangeAspect="1"/>
+          </p:cNvPicPr>
+          <p:nvPr/>
+        </p:nvPicPr>
+        <p:blipFill>
+          <a:blip r:embed="rId3"/>
+          <a:stretch>
+            <a:fillRect/>
+          </a:stretch>
+        </p:blipFill>
+        <p:spPr>
+          <a:xfrm>
+            <a:off x="673900" y="948475"/>
+            <a:ext cx="10844200" cy="4961050"/>
+          </a:xfrm>
+          <a:prstGeom prst="rect">
+            <a:avLst/>
+          </a:prstGeom>
+        </p:spPr>
+      </p:pic>
+    </p:spTree>
+    <p:extLst>
+      <p:ext uri="{BB962C8B-B14F-4D97-AF65-F5344CB8AC3E}">
+        <p14:creationId xmlns:p14="http://schemas.microsoft.com/office/powerpoint/2010/main" val="1216317850"/>
+      </p:ext>
+    </p:extLst>
+  </p:cSld>
+  <p:clrMapOvr>
+    <a:masterClrMapping/>
+  </p:clrMapOvr>
+</p:sld>
+</file>
+
 <file path=ppt/slides/slide2.xml><?xml version="1.0" encoding="utf-8"?>
 <p:sld xmlns:a="http://schemas.openxmlformats.org/drawingml/2006/main" xmlns:r="http://schemas.openxmlformats.org/officeDocument/2006/relationships" xmlns:p="http://schemas.openxmlformats.org/presentationml/2006/main">
   <p:cSld>
@@ -4833,6 +7666,606 @@
     <p:extLst>
       <p:ext uri="{BB962C8B-B14F-4D97-AF65-F5344CB8AC3E}">
         <p14:creationId xmlns:p14="http://schemas.microsoft.com/office/powerpoint/2010/main" val="2193771169"/>
+      </p:ext>
+    </p:extLst>
+  </p:cSld>
+  <p:clrMapOvr>
+    <a:masterClrMapping/>
+  </p:clrMapOvr>
+</p:sld>
+</file>
+
+<file path=ppt/slides/slide20.xml><?xml version="1.0" encoding="utf-8"?>
+<p:sld xmlns:a="http://schemas.openxmlformats.org/drawingml/2006/main" xmlns:r="http://schemas.openxmlformats.org/officeDocument/2006/relationships" xmlns:p="http://schemas.openxmlformats.org/presentationml/2006/main">
+  <p:cSld>
+    <p:spTree>
+      <p:nvGrpSpPr>
+        <p:cNvPr id="1" name=""/>
+        <p:cNvGrpSpPr/>
+        <p:nvPr/>
+      </p:nvGrpSpPr>
+      <p:grpSpPr>
+        <a:xfrm>
+          <a:off x="0" y="0"/>
+          <a:ext cx="0" cy="0"/>
+          <a:chOff x="0" y="0"/>
+          <a:chExt cx="0" cy="0"/>
+        </a:xfrm>
+      </p:grpSpPr>
+      <p:pic>
+        <p:nvPicPr>
+          <p:cNvPr id="3" name="Picture 2">
+            <a:extLst>
+              <a:ext uri="{FF2B5EF4-FFF2-40B4-BE49-F238E27FC236}">
+                <a16:creationId xmlns:a16="http://schemas.microsoft.com/office/drawing/2014/main" id="{30F771E0-2E66-48CE-8D31-0333340BFED6}"/>
+              </a:ext>
+            </a:extLst>
+          </p:cNvPr>
+          <p:cNvPicPr>
+            <a:picLocks noChangeAspect="1"/>
+          </p:cNvPicPr>
+          <p:nvPr/>
+        </p:nvPicPr>
+        <p:blipFill>
+          <a:blip r:embed="rId3"/>
+          <a:stretch>
+            <a:fillRect/>
+          </a:stretch>
+        </p:blipFill>
+        <p:spPr>
+          <a:xfrm>
+            <a:off x="986347" y="681752"/>
+            <a:ext cx="10219306" cy="5494496"/>
+          </a:xfrm>
+          <a:prstGeom prst="rect">
+            <a:avLst/>
+          </a:prstGeom>
+        </p:spPr>
+      </p:pic>
+    </p:spTree>
+    <p:extLst>
+      <p:ext uri="{BB962C8B-B14F-4D97-AF65-F5344CB8AC3E}">
+        <p14:creationId xmlns:p14="http://schemas.microsoft.com/office/powerpoint/2010/main" val="2864545954"/>
+      </p:ext>
+    </p:extLst>
+  </p:cSld>
+  <p:clrMapOvr>
+    <a:masterClrMapping/>
+  </p:clrMapOvr>
+</p:sld>
+</file>
+
+<file path=ppt/slides/slide21.xml><?xml version="1.0" encoding="utf-8"?>
+<p:sld xmlns:a="http://schemas.openxmlformats.org/drawingml/2006/main" xmlns:r="http://schemas.openxmlformats.org/officeDocument/2006/relationships" xmlns:p="http://schemas.openxmlformats.org/presentationml/2006/main">
+  <p:cSld>
+    <p:spTree>
+      <p:nvGrpSpPr>
+        <p:cNvPr id="1" name=""/>
+        <p:cNvGrpSpPr/>
+        <p:nvPr/>
+      </p:nvGrpSpPr>
+      <p:grpSpPr>
+        <a:xfrm>
+          <a:off x="0" y="0"/>
+          <a:ext cx="0" cy="0"/>
+          <a:chOff x="0" y="0"/>
+          <a:chExt cx="0" cy="0"/>
+        </a:xfrm>
+      </p:grpSpPr>
+      <p:pic>
+        <p:nvPicPr>
+          <p:cNvPr id="2" name="Picture 1">
+            <a:extLst>
+              <a:ext uri="{FF2B5EF4-FFF2-40B4-BE49-F238E27FC236}">
+                <a16:creationId xmlns:a16="http://schemas.microsoft.com/office/drawing/2014/main" id="{80EF239C-AB41-42EA-B961-8C371C771A74}"/>
+              </a:ext>
+            </a:extLst>
+          </p:cNvPr>
+          <p:cNvPicPr>
+            <a:picLocks noChangeAspect="1"/>
+          </p:cNvPicPr>
+          <p:nvPr/>
+        </p:nvPicPr>
+        <p:blipFill>
+          <a:blip r:embed="rId3"/>
+          <a:stretch>
+            <a:fillRect/>
+          </a:stretch>
+        </p:blipFill>
+        <p:spPr>
+          <a:xfrm>
+            <a:off x="327160" y="754148"/>
+            <a:ext cx="11537680" cy="5349704"/>
+          </a:xfrm>
+          <a:prstGeom prst="rect">
+            <a:avLst/>
+          </a:prstGeom>
+        </p:spPr>
+      </p:pic>
+    </p:spTree>
+    <p:extLst>
+      <p:ext uri="{BB962C8B-B14F-4D97-AF65-F5344CB8AC3E}">
+        <p14:creationId xmlns:p14="http://schemas.microsoft.com/office/powerpoint/2010/main" val="1771314530"/>
+      </p:ext>
+    </p:extLst>
+  </p:cSld>
+  <p:clrMapOvr>
+    <a:masterClrMapping/>
+  </p:clrMapOvr>
+</p:sld>
+</file>
+
+<file path=ppt/slides/slide22.xml><?xml version="1.0" encoding="utf-8"?>
+<p:sld xmlns:a="http://schemas.openxmlformats.org/drawingml/2006/main" xmlns:r="http://schemas.openxmlformats.org/officeDocument/2006/relationships" xmlns:p="http://schemas.openxmlformats.org/presentationml/2006/main">
+  <p:cSld>
+    <p:spTree>
+      <p:nvGrpSpPr>
+        <p:cNvPr id="1" name=""/>
+        <p:cNvGrpSpPr/>
+        <p:nvPr/>
+      </p:nvGrpSpPr>
+      <p:grpSpPr>
+        <a:xfrm>
+          <a:off x="0" y="0"/>
+          <a:ext cx="0" cy="0"/>
+          <a:chOff x="0" y="0"/>
+          <a:chExt cx="0" cy="0"/>
+        </a:xfrm>
+      </p:grpSpPr>
+      <p:pic>
+        <p:nvPicPr>
+          <p:cNvPr id="3" name="Picture 2">
+            <a:extLst>
+              <a:ext uri="{FF2B5EF4-FFF2-40B4-BE49-F238E27FC236}">
+                <a16:creationId xmlns:a16="http://schemas.microsoft.com/office/drawing/2014/main" id="{BC0B3DFC-B414-41C5-B99D-E42D5F2C9659}"/>
+              </a:ext>
+            </a:extLst>
+          </p:cNvPr>
+          <p:cNvPicPr>
+            <a:picLocks noChangeAspect="1"/>
+          </p:cNvPicPr>
+          <p:nvPr/>
+        </p:nvPicPr>
+        <p:blipFill>
+          <a:blip r:embed="rId3"/>
+          <a:stretch>
+            <a:fillRect/>
+          </a:stretch>
+        </p:blipFill>
+        <p:spPr>
+          <a:xfrm>
+            <a:off x="482666" y="2766985"/>
+            <a:ext cx="11226668" cy="1874058"/>
+          </a:xfrm>
+          <a:prstGeom prst="rect">
+            <a:avLst/>
+          </a:prstGeom>
+        </p:spPr>
+      </p:pic>
+    </p:spTree>
+    <p:extLst>
+      <p:ext uri="{BB962C8B-B14F-4D97-AF65-F5344CB8AC3E}">
+        <p14:creationId xmlns:p14="http://schemas.microsoft.com/office/powerpoint/2010/main" val="3274323986"/>
+      </p:ext>
+    </p:extLst>
+  </p:cSld>
+  <p:clrMapOvr>
+    <a:masterClrMapping/>
+  </p:clrMapOvr>
+</p:sld>
+</file>
+
+<file path=ppt/slides/slide23.xml><?xml version="1.0" encoding="utf-8"?>
+<p:sld xmlns:a="http://schemas.openxmlformats.org/drawingml/2006/main" xmlns:r="http://schemas.openxmlformats.org/officeDocument/2006/relationships" xmlns:p="http://schemas.openxmlformats.org/presentationml/2006/main">
+  <p:cSld>
+    <p:spTree>
+      <p:nvGrpSpPr>
+        <p:cNvPr id="1" name=""/>
+        <p:cNvGrpSpPr/>
+        <p:nvPr/>
+      </p:nvGrpSpPr>
+      <p:grpSpPr>
+        <a:xfrm>
+          <a:off x="0" y="0"/>
+          <a:ext cx="0" cy="0"/>
+          <a:chOff x="0" y="0"/>
+          <a:chExt cx="0" cy="0"/>
+        </a:xfrm>
+      </p:grpSpPr>
+      <p:pic>
+        <p:nvPicPr>
+          <p:cNvPr id="4" name="Picture 3">
+            <a:extLst>
+              <a:ext uri="{FF2B5EF4-FFF2-40B4-BE49-F238E27FC236}">
+                <a16:creationId xmlns:a16="http://schemas.microsoft.com/office/drawing/2014/main" id="{015B6C50-D0C6-4D91-8742-DA09FEC47CCF}"/>
+              </a:ext>
+            </a:extLst>
+          </p:cNvPr>
+          <p:cNvPicPr>
+            <a:picLocks noChangeAspect="1"/>
+          </p:cNvPicPr>
+          <p:nvPr/>
+        </p:nvPicPr>
+        <p:blipFill>
+          <a:blip r:embed="rId3"/>
+          <a:stretch>
+            <a:fillRect/>
+          </a:stretch>
+        </p:blipFill>
+        <p:spPr>
+          <a:xfrm>
+            <a:off x="338591" y="622853"/>
+            <a:ext cx="11514818" cy="4929808"/>
+          </a:xfrm>
+          <a:prstGeom prst="rect">
+            <a:avLst/>
+          </a:prstGeom>
+        </p:spPr>
+      </p:pic>
+    </p:spTree>
+    <p:extLst>
+      <p:ext uri="{BB962C8B-B14F-4D97-AF65-F5344CB8AC3E}">
+        <p14:creationId xmlns:p14="http://schemas.microsoft.com/office/powerpoint/2010/main" val="701035167"/>
+      </p:ext>
+    </p:extLst>
+  </p:cSld>
+  <p:clrMapOvr>
+    <a:masterClrMapping/>
+  </p:clrMapOvr>
+</p:sld>
+</file>
+
+<file path=ppt/slides/slide24.xml><?xml version="1.0" encoding="utf-8"?>
+<p:sld xmlns:a="http://schemas.openxmlformats.org/drawingml/2006/main" xmlns:r="http://schemas.openxmlformats.org/officeDocument/2006/relationships" xmlns:p="http://schemas.openxmlformats.org/presentationml/2006/main">
+  <p:cSld>
+    <p:spTree>
+      <p:nvGrpSpPr>
+        <p:cNvPr id="1" name=""/>
+        <p:cNvGrpSpPr/>
+        <p:nvPr/>
+      </p:nvGrpSpPr>
+      <p:grpSpPr>
+        <a:xfrm>
+          <a:off x="0" y="0"/>
+          <a:ext cx="0" cy="0"/>
+          <a:chOff x="0" y="0"/>
+          <a:chExt cx="0" cy="0"/>
+        </a:xfrm>
+      </p:grpSpPr>
+      <p:pic>
+        <p:nvPicPr>
+          <p:cNvPr id="2" name="Picture 1">
+            <a:extLst>
+              <a:ext uri="{FF2B5EF4-FFF2-40B4-BE49-F238E27FC236}">
+                <a16:creationId xmlns:a16="http://schemas.microsoft.com/office/drawing/2014/main" id="{A549EA8F-AC6B-41CF-BD01-D7021EF19754}"/>
+              </a:ext>
+            </a:extLst>
+          </p:cNvPr>
+          <p:cNvPicPr>
+            <a:picLocks noChangeAspect="1"/>
+          </p:cNvPicPr>
+          <p:nvPr/>
+        </p:nvPicPr>
+        <p:blipFill>
+          <a:blip r:embed="rId3"/>
+          <a:stretch>
+            <a:fillRect/>
+          </a:stretch>
+        </p:blipFill>
+        <p:spPr>
+          <a:xfrm>
+            <a:off x="1416914" y="1965833"/>
+            <a:ext cx="9358171" cy="2926334"/>
+          </a:xfrm>
+          <a:prstGeom prst="rect">
+            <a:avLst/>
+          </a:prstGeom>
+        </p:spPr>
+      </p:pic>
+    </p:spTree>
+    <p:extLst>
+      <p:ext uri="{BB962C8B-B14F-4D97-AF65-F5344CB8AC3E}">
+        <p14:creationId xmlns:p14="http://schemas.microsoft.com/office/powerpoint/2010/main" val="4051018081"/>
+      </p:ext>
+    </p:extLst>
+  </p:cSld>
+  <p:clrMapOvr>
+    <a:masterClrMapping/>
+  </p:clrMapOvr>
+</p:sld>
+</file>
+
+<file path=ppt/slides/slide25.xml><?xml version="1.0" encoding="utf-8"?>
+<p:sld xmlns:a="http://schemas.openxmlformats.org/drawingml/2006/main" xmlns:r="http://schemas.openxmlformats.org/officeDocument/2006/relationships" xmlns:p="http://schemas.openxmlformats.org/presentationml/2006/main">
+  <p:cSld>
+    <p:spTree>
+      <p:nvGrpSpPr>
+        <p:cNvPr id="1" name=""/>
+        <p:cNvGrpSpPr/>
+        <p:nvPr/>
+      </p:nvGrpSpPr>
+      <p:grpSpPr>
+        <a:xfrm>
+          <a:off x="0" y="0"/>
+          <a:ext cx="0" cy="0"/>
+          <a:chOff x="0" y="0"/>
+          <a:chExt cx="0" cy="0"/>
+        </a:xfrm>
+      </p:grpSpPr>
+      <p:pic>
+        <p:nvPicPr>
+          <p:cNvPr id="3" name="Picture 2">
+            <a:extLst>
+              <a:ext uri="{FF2B5EF4-FFF2-40B4-BE49-F238E27FC236}">
+                <a16:creationId xmlns:a16="http://schemas.microsoft.com/office/drawing/2014/main" id="{8CCF5BAC-4EDC-4C30-B836-23643F6EE1AA}"/>
+              </a:ext>
+            </a:extLst>
+          </p:cNvPr>
+          <p:cNvPicPr>
+            <a:picLocks noChangeAspect="1"/>
+          </p:cNvPicPr>
+          <p:nvPr/>
+        </p:nvPicPr>
+        <p:blipFill>
+          <a:blip r:embed="rId3"/>
+          <a:stretch>
+            <a:fillRect/>
+          </a:stretch>
+        </p:blipFill>
+        <p:spPr>
+          <a:xfrm>
+            <a:off x="391935" y="1382852"/>
+            <a:ext cx="11408129" cy="4092295"/>
+          </a:xfrm>
+          <a:prstGeom prst="rect">
+            <a:avLst/>
+          </a:prstGeom>
+        </p:spPr>
+      </p:pic>
+    </p:spTree>
+    <p:extLst>
+      <p:ext uri="{BB962C8B-B14F-4D97-AF65-F5344CB8AC3E}">
+        <p14:creationId xmlns:p14="http://schemas.microsoft.com/office/powerpoint/2010/main" val="2678293674"/>
+      </p:ext>
+    </p:extLst>
+  </p:cSld>
+  <p:clrMapOvr>
+    <a:masterClrMapping/>
+  </p:clrMapOvr>
+</p:sld>
+</file>
+
+<file path=ppt/slides/slide26.xml><?xml version="1.0" encoding="utf-8"?>
+<p:sld xmlns:a="http://schemas.openxmlformats.org/drawingml/2006/main" xmlns:r="http://schemas.openxmlformats.org/officeDocument/2006/relationships" xmlns:p="http://schemas.openxmlformats.org/presentationml/2006/main">
+  <p:cSld>
+    <p:spTree>
+      <p:nvGrpSpPr>
+        <p:cNvPr id="1" name=""/>
+        <p:cNvGrpSpPr/>
+        <p:nvPr/>
+      </p:nvGrpSpPr>
+      <p:grpSpPr>
+        <a:xfrm>
+          <a:off x="0" y="0"/>
+          <a:ext cx="0" cy="0"/>
+          <a:chOff x="0" y="0"/>
+          <a:chExt cx="0" cy="0"/>
+        </a:xfrm>
+      </p:grpSpPr>
+      <p:pic>
+        <p:nvPicPr>
+          <p:cNvPr id="2" name="Picture 1">
+            <a:extLst>
+              <a:ext uri="{FF2B5EF4-FFF2-40B4-BE49-F238E27FC236}">
+                <a16:creationId xmlns:a16="http://schemas.microsoft.com/office/drawing/2014/main" id="{E80452E3-56D7-4FD2-B320-CEAB0BF998F2}"/>
+              </a:ext>
+            </a:extLst>
+          </p:cNvPr>
+          <p:cNvPicPr>
+            <a:picLocks noChangeAspect="1"/>
+          </p:cNvPicPr>
+          <p:nvPr/>
+        </p:nvPicPr>
+        <p:blipFill>
+          <a:blip r:embed="rId3"/>
+          <a:stretch>
+            <a:fillRect/>
+          </a:stretch>
+        </p:blipFill>
+        <p:spPr>
+          <a:xfrm>
+            <a:off x="2030377" y="1279974"/>
+            <a:ext cx="8131245" cy="4298052"/>
+          </a:xfrm>
+          <a:prstGeom prst="rect">
+            <a:avLst/>
+          </a:prstGeom>
+        </p:spPr>
+      </p:pic>
+    </p:spTree>
+    <p:extLst>
+      <p:ext uri="{BB962C8B-B14F-4D97-AF65-F5344CB8AC3E}">
+        <p14:creationId xmlns:p14="http://schemas.microsoft.com/office/powerpoint/2010/main" val="2434950181"/>
+      </p:ext>
+    </p:extLst>
+  </p:cSld>
+  <p:clrMapOvr>
+    <a:masterClrMapping/>
+  </p:clrMapOvr>
+</p:sld>
+</file>
+
+<file path=ppt/slides/slide27.xml><?xml version="1.0" encoding="utf-8"?>
+<p:sld xmlns:a="http://schemas.openxmlformats.org/drawingml/2006/main" xmlns:r="http://schemas.openxmlformats.org/officeDocument/2006/relationships" xmlns:p="http://schemas.openxmlformats.org/presentationml/2006/main">
+  <p:cSld>
+    <p:spTree>
+      <p:nvGrpSpPr>
+        <p:cNvPr id="1" name=""/>
+        <p:cNvGrpSpPr/>
+        <p:nvPr/>
+      </p:nvGrpSpPr>
+      <p:grpSpPr>
+        <a:xfrm>
+          <a:off x="0" y="0"/>
+          <a:ext cx="0" cy="0"/>
+          <a:chOff x="0" y="0"/>
+          <a:chExt cx="0" cy="0"/>
+        </a:xfrm>
+      </p:grpSpPr>
+      <p:pic>
+        <p:nvPicPr>
+          <p:cNvPr id="3" name="Picture 2">
+            <a:extLst>
+              <a:ext uri="{FF2B5EF4-FFF2-40B4-BE49-F238E27FC236}">
+                <a16:creationId xmlns:a16="http://schemas.microsoft.com/office/drawing/2014/main" id="{5A7D2DE8-C4B8-4B90-8985-C77E6F0EF2F8}"/>
+              </a:ext>
+            </a:extLst>
+          </p:cNvPr>
+          <p:cNvPicPr>
+            <a:picLocks noChangeAspect="1"/>
+          </p:cNvPicPr>
+          <p:nvPr/>
+        </p:nvPicPr>
+        <p:blipFill>
+          <a:blip r:embed="rId3"/>
+          <a:stretch>
+            <a:fillRect/>
+          </a:stretch>
+        </p:blipFill>
+        <p:spPr>
+          <a:xfrm>
+            <a:off x="407177" y="1721972"/>
+            <a:ext cx="11377646" cy="3414056"/>
+          </a:xfrm>
+          <a:prstGeom prst="rect">
+            <a:avLst/>
+          </a:prstGeom>
+        </p:spPr>
+      </p:pic>
+    </p:spTree>
+    <p:extLst>
+      <p:ext uri="{BB962C8B-B14F-4D97-AF65-F5344CB8AC3E}">
+        <p14:creationId xmlns:p14="http://schemas.microsoft.com/office/powerpoint/2010/main" val="3450420604"/>
+      </p:ext>
+    </p:extLst>
+  </p:cSld>
+  <p:clrMapOvr>
+    <a:masterClrMapping/>
+  </p:clrMapOvr>
+</p:sld>
+</file>
+
+<file path=ppt/slides/slide28.xml><?xml version="1.0" encoding="utf-8"?>
+<p:sld xmlns:a="http://schemas.openxmlformats.org/drawingml/2006/main" xmlns:r="http://schemas.openxmlformats.org/officeDocument/2006/relationships" xmlns:p="http://schemas.openxmlformats.org/presentationml/2006/main">
+  <p:cSld>
+    <p:spTree>
+      <p:nvGrpSpPr>
+        <p:cNvPr id="1" name=""/>
+        <p:cNvGrpSpPr/>
+        <p:nvPr/>
+      </p:nvGrpSpPr>
+      <p:grpSpPr>
+        <a:xfrm>
+          <a:off x="0" y="0"/>
+          <a:ext cx="0" cy="0"/>
+          <a:chOff x="0" y="0"/>
+          <a:chExt cx="0" cy="0"/>
+        </a:xfrm>
+      </p:grpSpPr>
+      <p:pic>
+        <p:nvPicPr>
+          <p:cNvPr id="2" name="Picture 1">
+            <a:extLst>
+              <a:ext uri="{FF2B5EF4-FFF2-40B4-BE49-F238E27FC236}">
+                <a16:creationId xmlns:a16="http://schemas.microsoft.com/office/drawing/2014/main" id="{99BFA2BB-EE0B-4660-952A-2394E746E0CC}"/>
+              </a:ext>
+            </a:extLst>
+          </p:cNvPr>
+          <p:cNvPicPr>
+            <a:picLocks noChangeAspect="1"/>
+          </p:cNvPicPr>
+          <p:nvPr/>
+        </p:nvPicPr>
+        <p:blipFill>
+          <a:blip r:embed="rId3"/>
+          <a:stretch>
+            <a:fillRect/>
+          </a:stretch>
+        </p:blipFill>
+        <p:spPr>
+          <a:xfrm>
+            <a:off x="582452" y="1356180"/>
+            <a:ext cx="11027096" cy="4145639"/>
+          </a:xfrm>
+          <a:prstGeom prst="rect">
+            <a:avLst/>
+          </a:prstGeom>
+        </p:spPr>
+      </p:pic>
+    </p:spTree>
+    <p:extLst>
+      <p:ext uri="{BB962C8B-B14F-4D97-AF65-F5344CB8AC3E}">
+        <p14:creationId xmlns:p14="http://schemas.microsoft.com/office/powerpoint/2010/main" val="2101807553"/>
+      </p:ext>
+    </p:extLst>
+  </p:cSld>
+  <p:clrMapOvr>
+    <a:masterClrMapping/>
+  </p:clrMapOvr>
+</p:sld>
+</file>
+
+<file path=ppt/slides/slide29.xml><?xml version="1.0" encoding="utf-8"?>
+<p:sld xmlns:a="http://schemas.openxmlformats.org/drawingml/2006/main" xmlns:r="http://schemas.openxmlformats.org/officeDocument/2006/relationships" xmlns:p="http://schemas.openxmlformats.org/presentationml/2006/main">
+  <p:cSld>
+    <p:spTree>
+      <p:nvGrpSpPr>
+        <p:cNvPr id="1" name=""/>
+        <p:cNvGrpSpPr/>
+        <p:nvPr/>
+      </p:nvGrpSpPr>
+      <p:grpSpPr>
+        <a:xfrm>
+          <a:off x="0" y="0"/>
+          <a:ext cx="0" cy="0"/>
+          <a:chOff x="0" y="0"/>
+          <a:chExt cx="0" cy="0"/>
+        </a:xfrm>
+      </p:grpSpPr>
+      <p:pic>
+        <p:nvPicPr>
+          <p:cNvPr id="4" name="Picture 3">
+            <a:extLst>
+              <a:ext uri="{FF2B5EF4-FFF2-40B4-BE49-F238E27FC236}">
+                <a16:creationId xmlns:a16="http://schemas.microsoft.com/office/drawing/2014/main" id="{6242CAE3-93FE-433E-AAD3-9EBF19E3B00A}"/>
+              </a:ext>
+            </a:extLst>
+          </p:cNvPr>
+          <p:cNvPicPr>
+            <a:picLocks noChangeAspect="1"/>
+          </p:cNvPicPr>
+          <p:nvPr/>
+        </p:nvPicPr>
+        <p:blipFill>
+          <a:blip r:embed="rId3"/>
+          <a:stretch>
+            <a:fillRect/>
+          </a:stretch>
+        </p:blipFill>
+        <p:spPr>
+          <a:xfrm>
+            <a:off x="564717" y="441391"/>
+            <a:ext cx="11248095" cy="5471634"/>
+          </a:xfrm>
+          <a:prstGeom prst="rect">
+            <a:avLst/>
+          </a:prstGeom>
+        </p:spPr>
+      </p:pic>
+    </p:spTree>
+    <p:extLst>
+      <p:ext uri="{BB962C8B-B14F-4D97-AF65-F5344CB8AC3E}">
+        <p14:creationId xmlns:p14="http://schemas.microsoft.com/office/powerpoint/2010/main" val="4019173424"/>
       </p:ext>
     </p:extLst>
   </p:cSld>

--- a/Angular/Concepts/Angular.pptx
+++ b/Angular/Concepts/Angular.pptx
@@ -5,7 +5,7 @@
     <p:sldMasterId id="2147483648" r:id="rId1"/>
   </p:sldMasterIdLst>
   <p:notesMasterIdLst>
-    <p:notesMasterId r:id="rId31"/>
+    <p:notesMasterId r:id="rId36"/>
   </p:notesMasterIdLst>
   <p:sldIdLst>
     <p:sldId id="290" r:id="rId2"/>
@@ -37,6 +37,11 @@
     <p:sldId id="316" r:id="rId28"/>
     <p:sldId id="317" r:id="rId29"/>
     <p:sldId id="318" r:id="rId30"/>
+    <p:sldId id="319" r:id="rId31"/>
+    <p:sldId id="320" r:id="rId32"/>
+    <p:sldId id="321" r:id="rId33"/>
+    <p:sldId id="322" r:id="rId34"/>
+    <p:sldId id="323" r:id="rId35"/>
   </p:sldIdLst>
   <p:sldSz cx="12192000" cy="6858000"/>
   <p:notesSz cx="6858000" cy="9144000"/>
@@ -225,7 +230,7 @@
           <a:p>
             <a:fld id="{4A4A6707-0420-4923-8347-096A7F7EA683}" type="datetimeFigureOut">
               <a:rPr lang="en-IN" smtClean="0"/>
-              <a:t>07-02-2021</a:t>
+              <a:t>19-02-2021</a:t>
             </a:fld>
             <a:endParaRPr lang="en-IN"/>
           </a:p>
@@ -2965,6 +2970,534 @@
 </p:notes>
 </file>
 
+<file path=ppt/notesSlides/notesSlide30.xml><?xml version="1.0" encoding="utf-8"?>
+<p:notes xmlns:a="http://schemas.openxmlformats.org/drawingml/2006/main" xmlns:r="http://schemas.openxmlformats.org/officeDocument/2006/relationships" xmlns:p="http://schemas.openxmlformats.org/presentationml/2006/main">
+  <p:cSld>
+    <p:spTree>
+      <p:nvGrpSpPr>
+        <p:cNvPr id="1" name=""/>
+        <p:cNvGrpSpPr/>
+        <p:nvPr/>
+      </p:nvGrpSpPr>
+      <p:grpSpPr>
+        <a:xfrm>
+          <a:off x="0" y="0"/>
+          <a:ext cx="0" cy="0"/>
+          <a:chOff x="0" y="0"/>
+          <a:chExt cx="0" cy="0"/>
+        </a:xfrm>
+      </p:grpSpPr>
+      <p:sp>
+        <p:nvSpPr>
+          <p:cNvPr id="2" name="Slide Image Placeholder 1"/>
+          <p:cNvSpPr>
+            <a:spLocks noGrp="1" noRot="1" noChangeAspect="1"/>
+          </p:cNvSpPr>
+          <p:nvPr>
+            <p:ph type="sldImg"/>
+          </p:nvPr>
+        </p:nvSpPr>
+        <p:spPr/>
+      </p:sp>
+      <p:sp>
+        <p:nvSpPr>
+          <p:cNvPr id="3" name="Notes Placeholder 2"/>
+          <p:cNvSpPr>
+            <a:spLocks noGrp="1"/>
+          </p:cNvSpPr>
+          <p:nvPr>
+            <p:ph type="body" idx="1"/>
+          </p:nvPr>
+        </p:nvSpPr>
+        <p:spPr/>
+        <p:txBody>
+          <a:bodyPr/>
+          <a:lstStyle/>
+          <a:p>
+            <a:pPr marL="0" lvl="0" indent="0">
+              <a:buFontTx/>
+              <a:buNone/>
+            </a:pPr>
+            <a:r>
+              <a:rPr lang="en-IN" b="0" dirty="0"/>
+              <a:t>Different ways of PROPERTY BIINDINDS</a:t>
+            </a:r>
+          </a:p>
+          <a:p>
+            <a:pPr marL="171450" lvl="0" indent="-171450">
+              <a:buFontTx/>
+              <a:buChar char="-"/>
+            </a:pPr>
+            <a:r>
+              <a:rPr lang="en-IN" b="0" dirty="0"/>
+              <a:t>Angular Property Binding</a:t>
+            </a:r>
+          </a:p>
+          <a:p>
+            <a:pPr marL="628650" lvl="1" indent="-171450">
+              <a:buFontTx/>
+              <a:buChar char="-"/>
+            </a:pPr>
+            <a:r>
+              <a:rPr lang="en-IN" b="0" dirty="0"/>
+              <a:t>This is always preferrable</a:t>
+            </a:r>
+          </a:p>
+          <a:p>
+            <a:pPr marL="171450" lvl="0" indent="-171450">
+              <a:buFontTx/>
+              <a:buChar char="-"/>
+            </a:pPr>
+            <a:r>
+              <a:rPr lang="en-IN" b="0" dirty="0"/>
+              <a:t>Interpolation</a:t>
+            </a:r>
+          </a:p>
+          <a:p>
+            <a:pPr marL="628650" lvl="1" indent="-171450">
+              <a:buFontTx/>
+              <a:buChar char="-"/>
+            </a:pPr>
+            <a:r>
+              <a:rPr lang="en-IN" b="0" dirty="0"/>
+              <a:t>But if part value is replaced then its better to have interpolation</a:t>
+            </a:r>
+          </a:p>
+          <a:p>
+            <a:pPr marL="171450" lvl="0" indent="-171450">
+              <a:buFontTx/>
+              <a:buChar char="-"/>
+            </a:pPr>
+            <a:endParaRPr lang="en-IN" b="0" dirty="0"/>
+          </a:p>
+        </p:txBody>
+      </p:sp>
+      <p:sp>
+        <p:nvSpPr>
+          <p:cNvPr id="4" name="Slide Number Placeholder 3"/>
+          <p:cNvSpPr>
+            <a:spLocks noGrp="1"/>
+          </p:cNvSpPr>
+          <p:nvPr>
+            <p:ph type="sldNum" sz="quarter" idx="5"/>
+          </p:nvPr>
+        </p:nvSpPr>
+        <p:spPr/>
+        <p:txBody>
+          <a:bodyPr/>
+          <a:lstStyle/>
+          <a:p>
+            <a:fld id="{113593D2-72D5-4CF2-A8CC-B00F81EF5E34}" type="slidenum">
+              <a:rPr lang="en-IN" smtClean="0"/>
+              <a:t>30</a:t>
+            </a:fld>
+            <a:endParaRPr lang="en-IN"/>
+          </a:p>
+        </p:txBody>
+      </p:sp>
+    </p:spTree>
+    <p:extLst>
+      <p:ext uri="{BB962C8B-B14F-4D97-AF65-F5344CB8AC3E}">
+        <p14:creationId xmlns:p14="http://schemas.microsoft.com/office/powerpoint/2010/main" val="4104354343"/>
+      </p:ext>
+    </p:extLst>
+  </p:cSld>
+  <p:clrMapOvr>
+    <a:masterClrMapping/>
+  </p:clrMapOvr>
+</p:notes>
+</file>
+
+<file path=ppt/notesSlides/notesSlide31.xml><?xml version="1.0" encoding="utf-8"?>
+<p:notes xmlns:a="http://schemas.openxmlformats.org/drawingml/2006/main" xmlns:r="http://schemas.openxmlformats.org/officeDocument/2006/relationships" xmlns:p="http://schemas.openxmlformats.org/presentationml/2006/main">
+  <p:cSld>
+    <p:spTree>
+      <p:nvGrpSpPr>
+        <p:cNvPr id="1" name=""/>
+        <p:cNvGrpSpPr/>
+        <p:nvPr/>
+      </p:nvGrpSpPr>
+      <p:grpSpPr>
+        <a:xfrm>
+          <a:off x="0" y="0"/>
+          <a:ext cx="0" cy="0"/>
+          <a:chOff x="0" y="0"/>
+          <a:chExt cx="0" cy="0"/>
+        </a:xfrm>
+      </p:grpSpPr>
+      <p:sp>
+        <p:nvSpPr>
+          <p:cNvPr id="2" name="Slide Image Placeholder 1"/>
+          <p:cNvSpPr>
+            <a:spLocks noGrp="1" noRot="1" noChangeAspect="1"/>
+          </p:cNvSpPr>
+          <p:nvPr>
+            <p:ph type="sldImg"/>
+          </p:nvPr>
+        </p:nvSpPr>
+        <p:spPr/>
+      </p:sp>
+      <p:sp>
+        <p:nvSpPr>
+          <p:cNvPr id="3" name="Notes Placeholder 2"/>
+          <p:cNvSpPr>
+            <a:spLocks noGrp="1"/>
+          </p:cNvSpPr>
+          <p:nvPr>
+            <p:ph type="body" idx="1"/>
+          </p:nvPr>
+        </p:nvSpPr>
+        <p:spPr/>
+        <p:txBody>
+          <a:bodyPr/>
+          <a:lstStyle/>
+          <a:p>
+            <a:pPr marL="171450" lvl="0" indent="-171450">
+              <a:buFontTx/>
+              <a:buChar char="-"/>
+            </a:pPr>
+            <a:endParaRPr lang="en-IN" b="0" dirty="0"/>
+          </a:p>
+        </p:txBody>
+      </p:sp>
+      <p:sp>
+        <p:nvSpPr>
+          <p:cNvPr id="4" name="Slide Number Placeholder 3"/>
+          <p:cNvSpPr>
+            <a:spLocks noGrp="1"/>
+          </p:cNvSpPr>
+          <p:nvPr>
+            <p:ph type="sldNum" sz="quarter" idx="5"/>
+          </p:nvPr>
+        </p:nvSpPr>
+        <p:spPr/>
+        <p:txBody>
+          <a:bodyPr/>
+          <a:lstStyle/>
+          <a:p>
+            <a:fld id="{113593D2-72D5-4CF2-A8CC-B00F81EF5E34}" type="slidenum">
+              <a:rPr lang="en-IN" smtClean="0"/>
+              <a:t>31</a:t>
+            </a:fld>
+            <a:endParaRPr lang="en-IN"/>
+          </a:p>
+        </p:txBody>
+      </p:sp>
+    </p:spTree>
+    <p:extLst>
+      <p:ext uri="{BB962C8B-B14F-4D97-AF65-F5344CB8AC3E}">
+        <p14:creationId xmlns:p14="http://schemas.microsoft.com/office/powerpoint/2010/main" val="3440500648"/>
+      </p:ext>
+    </p:extLst>
+  </p:cSld>
+  <p:clrMapOvr>
+    <a:masterClrMapping/>
+  </p:clrMapOvr>
+</p:notes>
+</file>
+
+<file path=ppt/notesSlides/notesSlide32.xml><?xml version="1.0" encoding="utf-8"?>
+<p:notes xmlns:a="http://schemas.openxmlformats.org/drawingml/2006/main" xmlns:r="http://schemas.openxmlformats.org/officeDocument/2006/relationships" xmlns:p="http://schemas.openxmlformats.org/presentationml/2006/main">
+  <p:cSld>
+    <p:spTree>
+      <p:nvGrpSpPr>
+        <p:cNvPr id="1" name=""/>
+        <p:cNvGrpSpPr/>
+        <p:nvPr/>
+      </p:nvGrpSpPr>
+      <p:grpSpPr>
+        <a:xfrm>
+          <a:off x="0" y="0"/>
+          <a:ext cx="0" cy="0"/>
+          <a:chOff x="0" y="0"/>
+          <a:chExt cx="0" cy="0"/>
+        </a:xfrm>
+      </p:grpSpPr>
+      <p:sp>
+        <p:nvSpPr>
+          <p:cNvPr id="2" name="Slide Image Placeholder 1"/>
+          <p:cNvSpPr>
+            <a:spLocks noGrp="1" noRot="1" noChangeAspect="1"/>
+          </p:cNvSpPr>
+          <p:nvPr>
+            <p:ph type="sldImg"/>
+          </p:nvPr>
+        </p:nvSpPr>
+        <p:spPr/>
+      </p:sp>
+      <p:sp>
+        <p:nvSpPr>
+          <p:cNvPr id="3" name="Notes Placeholder 2"/>
+          <p:cNvSpPr>
+            <a:spLocks noGrp="1"/>
+          </p:cNvSpPr>
+          <p:nvPr>
+            <p:ph type="body" idx="1"/>
+          </p:nvPr>
+        </p:nvSpPr>
+        <p:spPr/>
+        <p:txBody>
+          <a:bodyPr/>
+          <a:lstStyle/>
+          <a:p>
+            <a:pPr marL="171450" lvl="0" indent="-171450">
+              <a:buFontTx/>
+              <a:buChar char="-"/>
+            </a:pPr>
+            <a:r>
+              <a:rPr lang="en-IN" b="0" dirty="0"/>
+              <a:t>To indicate two way binding, we use </a:t>
+            </a:r>
+            <a:r>
+              <a:rPr lang="en-IN" b="1" dirty="0" err="1"/>
+              <a:t>ngModel</a:t>
+            </a:r>
+            <a:r>
+              <a:rPr lang="en-IN" b="0" dirty="0"/>
+              <a:t> directive</a:t>
+            </a:r>
+          </a:p>
+          <a:p>
+            <a:pPr marL="171450" lvl="0" indent="-171450">
+              <a:buFontTx/>
+              <a:buChar char="-"/>
+            </a:pPr>
+            <a:r>
+              <a:rPr lang="en-IN" b="0" dirty="0"/>
+              <a:t>[ ] = indicate property binding  - from the class property to the input element</a:t>
+            </a:r>
+          </a:p>
+          <a:p>
+            <a:pPr marL="171450" lvl="0" indent="-171450">
+              <a:buFontTx/>
+              <a:buChar char="-"/>
+            </a:pPr>
+            <a:r>
+              <a:rPr lang="en-IN" b="0" dirty="0"/>
+              <a:t>( ) = indicate event binding – to send a notification of the event entered data to the class property</a:t>
+            </a:r>
+          </a:p>
+          <a:p>
+            <a:pPr marL="171450" lvl="0" indent="-171450">
+              <a:buFontTx/>
+              <a:buChar char="-"/>
+            </a:pPr>
+            <a:endParaRPr lang="en-IN" b="0" dirty="0"/>
+          </a:p>
+        </p:txBody>
+      </p:sp>
+      <p:sp>
+        <p:nvSpPr>
+          <p:cNvPr id="4" name="Slide Number Placeholder 3"/>
+          <p:cNvSpPr>
+            <a:spLocks noGrp="1"/>
+          </p:cNvSpPr>
+          <p:nvPr>
+            <p:ph type="sldNum" sz="quarter" idx="5"/>
+          </p:nvPr>
+        </p:nvSpPr>
+        <p:spPr/>
+        <p:txBody>
+          <a:bodyPr/>
+          <a:lstStyle/>
+          <a:p>
+            <a:fld id="{113593D2-72D5-4CF2-A8CC-B00F81EF5E34}" type="slidenum">
+              <a:rPr lang="en-IN" smtClean="0"/>
+              <a:t>32</a:t>
+            </a:fld>
+            <a:endParaRPr lang="en-IN"/>
+          </a:p>
+        </p:txBody>
+      </p:sp>
+    </p:spTree>
+    <p:extLst>
+      <p:ext uri="{BB962C8B-B14F-4D97-AF65-F5344CB8AC3E}">
+        <p14:creationId xmlns:p14="http://schemas.microsoft.com/office/powerpoint/2010/main" val="276720510"/>
+      </p:ext>
+    </p:extLst>
+  </p:cSld>
+  <p:clrMapOvr>
+    <a:masterClrMapping/>
+  </p:clrMapOvr>
+</p:notes>
+</file>
+
+<file path=ppt/notesSlides/notesSlide33.xml><?xml version="1.0" encoding="utf-8"?>
+<p:notes xmlns:a="http://schemas.openxmlformats.org/drawingml/2006/main" xmlns:r="http://schemas.openxmlformats.org/officeDocument/2006/relationships" xmlns:p="http://schemas.openxmlformats.org/presentationml/2006/main">
+  <p:cSld>
+    <p:spTree>
+      <p:nvGrpSpPr>
+        <p:cNvPr id="1" name=""/>
+        <p:cNvGrpSpPr/>
+        <p:nvPr/>
+      </p:nvGrpSpPr>
+      <p:grpSpPr>
+        <a:xfrm>
+          <a:off x="0" y="0"/>
+          <a:ext cx="0" cy="0"/>
+          <a:chOff x="0" y="0"/>
+          <a:chExt cx="0" cy="0"/>
+        </a:xfrm>
+      </p:grpSpPr>
+      <p:sp>
+        <p:nvSpPr>
+          <p:cNvPr id="2" name="Slide Image Placeholder 1"/>
+          <p:cNvSpPr>
+            <a:spLocks noGrp="1" noRot="1" noChangeAspect="1"/>
+          </p:cNvSpPr>
+          <p:nvPr>
+            <p:ph type="sldImg"/>
+          </p:nvPr>
+        </p:nvSpPr>
+        <p:spPr/>
+      </p:sp>
+      <p:sp>
+        <p:nvSpPr>
+          <p:cNvPr id="3" name="Notes Placeholder 2"/>
+          <p:cNvSpPr>
+            <a:spLocks noGrp="1"/>
+          </p:cNvSpPr>
+          <p:nvPr>
+            <p:ph type="body" idx="1"/>
+          </p:nvPr>
+        </p:nvSpPr>
+        <p:spPr/>
+        <p:txBody>
+          <a:bodyPr/>
+          <a:lstStyle/>
+          <a:p>
+            <a:pPr marL="171450" lvl="0" indent="-171450">
+              <a:buFontTx/>
+              <a:buChar char="-"/>
+            </a:pPr>
+            <a:endParaRPr lang="en-IN" b="0" dirty="0"/>
+          </a:p>
+        </p:txBody>
+      </p:sp>
+      <p:sp>
+        <p:nvSpPr>
+          <p:cNvPr id="4" name="Slide Number Placeholder 3"/>
+          <p:cNvSpPr>
+            <a:spLocks noGrp="1"/>
+          </p:cNvSpPr>
+          <p:nvPr>
+            <p:ph type="sldNum" sz="quarter" idx="5"/>
+          </p:nvPr>
+        </p:nvSpPr>
+        <p:spPr/>
+        <p:txBody>
+          <a:bodyPr/>
+          <a:lstStyle/>
+          <a:p>
+            <a:fld id="{113593D2-72D5-4CF2-A8CC-B00F81EF5E34}" type="slidenum">
+              <a:rPr lang="en-IN" smtClean="0"/>
+              <a:t>33</a:t>
+            </a:fld>
+            <a:endParaRPr lang="en-IN"/>
+          </a:p>
+        </p:txBody>
+      </p:sp>
+    </p:spTree>
+    <p:extLst>
+      <p:ext uri="{BB962C8B-B14F-4D97-AF65-F5344CB8AC3E}">
+        <p14:creationId xmlns:p14="http://schemas.microsoft.com/office/powerpoint/2010/main" val="2479799727"/>
+      </p:ext>
+    </p:extLst>
+  </p:cSld>
+  <p:clrMapOvr>
+    <a:masterClrMapping/>
+  </p:clrMapOvr>
+</p:notes>
+</file>
+
+<file path=ppt/notesSlides/notesSlide34.xml><?xml version="1.0" encoding="utf-8"?>
+<p:notes xmlns:a="http://schemas.openxmlformats.org/drawingml/2006/main" xmlns:r="http://schemas.openxmlformats.org/officeDocument/2006/relationships" xmlns:p="http://schemas.openxmlformats.org/presentationml/2006/main">
+  <p:cSld>
+    <p:spTree>
+      <p:nvGrpSpPr>
+        <p:cNvPr id="1" name=""/>
+        <p:cNvGrpSpPr/>
+        <p:nvPr/>
+      </p:nvGrpSpPr>
+      <p:grpSpPr>
+        <a:xfrm>
+          <a:off x="0" y="0"/>
+          <a:ext cx="0" cy="0"/>
+          <a:chOff x="0" y="0"/>
+          <a:chExt cx="0" cy="0"/>
+        </a:xfrm>
+      </p:grpSpPr>
+      <p:sp>
+        <p:nvSpPr>
+          <p:cNvPr id="2" name="Slide Image Placeholder 1"/>
+          <p:cNvSpPr>
+            <a:spLocks noGrp="1" noRot="1" noChangeAspect="1"/>
+          </p:cNvSpPr>
+          <p:nvPr>
+            <p:ph type="sldImg"/>
+          </p:nvPr>
+        </p:nvSpPr>
+        <p:spPr/>
+      </p:sp>
+      <p:sp>
+        <p:nvSpPr>
+          <p:cNvPr id="3" name="Notes Placeholder 2"/>
+          <p:cNvSpPr>
+            <a:spLocks noGrp="1"/>
+          </p:cNvSpPr>
+          <p:nvPr>
+            <p:ph type="body" idx="1"/>
+          </p:nvPr>
+        </p:nvSpPr>
+        <p:spPr/>
+        <p:txBody>
+          <a:bodyPr/>
+          <a:lstStyle/>
+          <a:p>
+            <a:pPr marL="171450" lvl="0" indent="-171450">
+              <a:buFontTx/>
+              <a:buChar char="-"/>
+            </a:pPr>
+            <a:endParaRPr lang="en-IN" b="0" dirty="0"/>
+          </a:p>
+        </p:txBody>
+      </p:sp>
+      <p:sp>
+        <p:nvSpPr>
+          <p:cNvPr id="4" name="Slide Number Placeholder 3"/>
+          <p:cNvSpPr>
+            <a:spLocks noGrp="1"/>
+          </p:cNvSpPr>
+          <p:nvPr>
+            <p:ph type="sldNum" sz="quarter" idx="5"/>
+          </p:nvPr>
+        </p:nvSpPr>
+        <p:spPr/>
+        <p:txBody>
+          <a:bodyPr/>
+          <a:lstStyle/>
+          <a:p>
+            <a:fld id="{113593D2-72D5-4CF2-A8CC-B00F81EF5E34}" type="slidenum">
+              <a:rPr lang="en-IN" smtClean="0"/>
+              <a:t>34</a:t>
+            </a:fld>
+            <a:endParaRPr lang="en-IN"/>
+          </a:p>
+        </p:txBody>
+      </p:sp>
+    </p:spTree>
+    <p:extLst>
+      <p:ext uri="{BB962C8B-B14F-4D97-AF65-F5344CB8AC3E}">
+        <p14:creationId xmlns:p14="http://schemas.microsoft.com/office/powerpoint/2010/main" val="2895681260"/>
+      </p:ext>
+    </p:extLst>
+  </p:cSld>
+  <p:clrMapOvr>
+    <a:masterClrMapping/>
+  </p:clrMapOvr>
+</p:notes>
+</file>
+
 <file path=ppt/notesSlides/notesSlide4.xml><?xml version="1.0" encoding="utf-8"?>
 <p:notes xmlns:a="http://schemas.openxmlformats.org/drawingml/2006/main" xmlns:r="http://schemas.openxmlformats.org/officeDocument/2006/relationships" xmlns:p="http://schemas.openxmlformats.org/presentationml/2006/main">
   <p:cSld>
@@ -3840,7 +4373,7 @@
           <a:p>
             <a:fld id="{A30DF74A-7692-4505-96EF-A63108FD53F9}" type="datetimeFigureOut">
               <a:rPr lang="en-IN" smtClean="0"/>
-              <a:t>07-02-2021</a:t>
+              <a:t>19-02-2021</a:t>
             </a:fld>
             <a:endParaRPr lang="en-IN"/>
           </a:p>
@@ -4040,7 +4573,7 @@
           <a:p>
             <a:fld id="{A30DF74A-7692-4505-96EF-A63108FD53F9}" type="datetimeFigureOut">
               <a:rPr lang="en-IN" smtClean="0"/>
-              <a:t>07-02-2021</a:t>
+              <a:t>19-02-2021</a:t>
             </a:fld>
             <a:endParaRPr lang="en-IN"/>
           </a:p>
@@ -4250,7 +4783,7 @@
           <a:p>
             <a:fld id="{A30DF74A-7692-4505-96EF-A63108FD53F9}" type="datetimeFigureOut">
               <a:rPr lang="en-IN" smtClean="0"/>
-              <a:t>07-02-2021</a:t>
+              <a:t>19-02-2021</a:t>
             </a:fld>
             <a:endParaRPr lang="en-IN"/>
           </a:p>
@@ -4450,7 +4983,7 @@
           <a:p>
             <a:fld id="{A30DF74A-7692-4505-96EF-A63108FD53F9}" type="datetimeFigureOut">
               <a:rPr lang="en-IN" smtClean="0"/>
-              <a:t>07-02-2021</a:t>
+              <a:t>19-02-2021</a:t>
             </a:fld>
             <a:endParaRPr lang="en-IN"/>
           </a:p>
@@ -4726,7 +5259,7 @@
           <a:p>
             <a:fld id="{A30DF74A-7692-4505-96EF-A63108FD53F9}" type="datetimeFigureOut">
               <a:rPr lang="en-IN" smtClean="0"/>
-              <a:t>07-02-2021</a:t>
+              <a:t>19-02-2021</a:t>
             </a:fld>
             <a:endParaRPr lang="en-IN"/>
           </a:p>
@@ -4994,7 +5527,7 @@
           <a:p>
             <a:fld id="{A30DF74A-7692-4505-96EF-A63108FD53F9}" type="datetimeFigureOut">
               <a:rPr lang="en-IN" smtClean="0"/>
-              <a:t>07-02-2021</a:t>
+              <a:t>19-02-2021</a:t>
             </a:fld>
             <a:endParaRPr lang="en-IN"/>
           </a:p>
@@ -5409,7 +5942,7 @@
           <a:p>
             <a:fld id="{A30DF74A-7692-4505-96EF-A63108FD53F9}" type="datetimeFigureOut">
               <a:rPr lang="en-IN" smtClean="0"/>
-              <a:t>07-02-2021</a:t>
+              <a:t>19-02-2021</a:t>
             </a:fld>
             <a:endParaRPr lang="en-IN"/>
           </a:p>
@@ -5551,7 +6084,7 @@
           <a:p>
             <a:fld id="{A30DF74A-7692-4505-96EF-A63108FD53F9}" type="datetimeFigureOut">
               <a:rPr lang="en-IN" smtClean="0"/>
-              <a:t>07-02-2021</a:t>
+              <a:t>19-02-2021</a:t>
             </a:fld>
             <a:endParaRPr lang="en-IN"/>
           </a:p>
@@ -5664,7 +6197,7 @@
           <a:p>
             <a:fld id="{A30DF74A-7692-4505-96EF-A63108FD53F9}" type="datetimeFigureOut">
               <a:rPr lang="en-IN" smtClean="0"/>
-              <a:t>07-02-2021</a:t>
+              <a:t>19-02-2021</a:t>
             </a:fld>
             <a:endParaRPr lang="en-IN"/>
           </a:p>
@@ -5977,7 +6510,7 @@
           <a:p>
             <a:fld id="{A30DF74A-7692-4505-96EF-A63108FD53F9}" type="datetimeFigureOut">
               <a:rPr lang="en-IN" smtClean="0"/>
-              <a:t>07-02-2021</a:t>
+              <a:t>19-02-2021</a:t>
             </a:fld>
             <a:endParaRPr lang="en-IN"/>
           </a:p>
@@ -6266,7 +6799,7 @@
           <a:p>
             <a:fld id="{A30DF74A-7692-4505-96EF-A63108FD53F9}" type="datetimeFigureOut">
               <a:rPr lang="en-IN" smtClean="0"/>
-              <a:t>07-02-2021</a:t>
+              <a:t>19-02-2021</a:t>
             </a:fld>
             <a:endParaRPr lang="en-IN"/>
           </a:p>
@@ -6509,7 +7042,7 @@
           <a:p>
             <a:fld id="{A30DF74A-7692-4505-96EF-A63108FD53F9}" type="datetimeFigureOut">
               <a:rPr lang="en-IN" smtClean="0"/>
-              <a:t>07-02-2021</a:t>
+              <a:t>19-02-2021</a:t>
             </a:fld>
             <a:endParaRPr lang="en-IN"/>
           </a:p>
@@ -8326,6 +8859,456 @@
     <p:extLst>
       <p:ext uri="{BB962C8B-B14F-4D97-AF65-F5344CB8AC3E}">
         <p14:creationId xmlns:p14="http://schemas.microsoft.com/office/powerpoint/2010/main" val="3372588569"/>
+      </p:ext>
+    </p:extLst>
+  </p:cSld>
+  <p:clrMapOvr>
+    <a:masterClrMapping/>
+  </p:clrMapOvr>
+</p:sld>
+</file>
+
+<file path=ppt/slides/slide30.xml><?xml version="1.0" encoding="utf-8"?>
+<p:sld xmlns:a="http://schemas.openxmlformats.org/drawingml/2006/main" xmlns:r="http://schemas.openxmlformats.org/officeDocument/2006/relationships" xmlns:p="http://schemas.openxmlformats.org/presentationml/2006/main">
+  <p:cSld>
+    <p:spTree>
+      <p:nvGrpSpPr>
+        <p:cNvPr id="1" name=""/>
+        <p:cNvGrpSpPr/>
+        <p:nvPr/>
+      </p:nvGrpSpPr>
+      <p:grpSpPr>
+        <a:xfrm>
+          <a:off x="0" y="0"/>
+          <a:ext cx="0" cy="0"/>
+          <a:chOff x="0" y="0"/>
+          <a:chExt cx="0" cy="0"/>
+        </a:xfrm>
+      </p:grpSpPr>
+      <p:pic>
+        <p:nvPicPr>
+          <p:cNvPr id="2" name="Picture 1">
+            <a:extLst>
+              <a:ext uri="{FF2B5EF4-FFF2-40B4-BE49-F238E27FC236}">
+                <a16:creationId xmlns:a16="http://schemas.microsoft.com/office/drawing/2014/main" id="{2A3BD3E5-0781-4A63-B673-C30F37A0D3CA}"/>
+              </a:ext>
+            </a:extLst>
+          </p:cNvPr>
+          <p:cNvPicPr>
+            <a:picLocks noChangeAspect="1"/>
+          </p:cNvPicPr>
+          <p:nvPr/>
+        </p:nvPicPr>
+        <p:blipFill>
+          <a:blip r:embed="rId3"/>
+          <a:stretch>
+            <a:fillRect/>
+          </a:stretch>
+        </p:blipFill>
+        <p:spPr>
+          <a:xfrm>
+            <a:off x="185531" y="274636"/>
+            <a:ext cx="12192000" cy="3896832"/>
+          </a:xfrm>
+          <a:prstGeom prst="rect">
+            <a:avLst/>
+          </a:prstGeom>
+        </p:spPr>
+      </p:pic>
+      <p:pic>
+        <p:nvPicPr>
+          <p:cNvPr id="3" name="Picture 2">
+            <a:extLst>
+              <a:ext uri="{FF2B5EF4-FFF2-40B4-BE49-F238E27FC236}">
+                <a16:creationId xmlns:a16="http://schemas.microsoft.com/office/drawing/2014/main" id="{7DDA235B-02C9-4014-AEC2-8D202C37E368}"/>
+              </a:ext>
+            </a:extLst>
+          </p:cNvPr>
+          <p:cNvPicPr>
+            <a:picLocks noChangeAspect="1"/>
+          </p:cNvPicPr>
+          <p:nvPr/>
+        </p:nvPicPr>
+        <p:blipFill>
+          <a:blip r:embed="rId4"/>
+          <a:stretch>
+            <a:fillRect/>
+          </a:stretch>
+        </p:blipFill>
+        <p:spPr>
+          <a:xfrm>
+            <a:off x="1063393" y="4729899"/>
+            <a:ext cx="9800169" cy="1531753"/>
+          </a:xfrm>
+          <a:prstGeom prst="rect">
+            <a:avLst/>
+          </a:prstGeom>
+        </p:spPr>
+      </p:pic>
+    </p:spTree>
+    <p:extLst>
+      <p:ext uri="{BB962C8B-B14F-4D97-AF65-F5344CB8AC3E}">
+        <p14:creationId xmlns:p14="http://schemas.microsoft.com/office/powerpoint/2010/main" val="304981257"/>
+      </p:ext>
+    </p:extLst>
+  </p:cSld>
+  <p:clrMapOvr>
+    <a:masterClrMapping/>
+  </p:clrMapOvr>
+</p:sld>
+</file>
+
+<file path=ppt/slides/slide31.xml><?xml version="1.0" encoding="utf-8"?>
+<p:sld xmlns:a="http://schemas.openxmlformats.org/drawingml/2006/main" xmlns:r="http://schemas.openxmlformats.org/officeDocument/2006/relationships" xmlns:p="http://schemas.openxmlformats.org/presentationml/2006/main">
+  <p:cSld>
+    <p:spTree>
+      <p:nvGrpSpPr>
+        <p:cNvPr id="1" name=""/>
+        <p:cNvGrpSpPr/>
+        <p:nvPr/>
+      </p:nvGrpSpPr>
+      <p:grpSpPr>
+        <a:xfrm>
+          <a:off x="0" y="0"/>
+          <a:ext cx="0" cy="0"/>
+          <a:chOff x="0" y="0"/>
+          <a:chExt cx="0" cy="0"/>
+        </a:xfrm>
+      </p:grpSpPr>
+      <p:pic>
+        <p:nvPicPr>
+          <p:cNvPr id="3" name="Picture 2">
+            <a:extLst>
+              <a:ext uri="{FF2B5EF4-FFF2-40B4-BE49-F238E27FC236}">
+                <a16:creationId xmlns:a16="http://schemas.microsoft.com/office/drawing/2014/main" id="{BC163B93-869F-4107-88B9-52133ACB931E}"/>
+              </a:ext>
+            </a:extLst>
+          </p:cNvPr>
+          <p:cNvPicPr>
+            <a:picLocks noChangeAspect="1"/>
+          </p:cNvPicPr>
+          <p:nvPr/>
+        </p:nvPicPr>
+        <p:blipFill>
+          <a:blip r:embed="rId3"/>
+          <a:stretch>
+            <a:fillRect/>
+          </a:stretch>
+        </p:blipFill>
+        <p:spPr>
+          <a:xfrm>
+            <a:off x="0" y="527758"/>
+            <a:ext cx="12192000" cy="4238727"/>
+          </a:xfrm>
+          <a:prstGeom prst="rect">
+            <a:avLst/>
+          </a:prstGeom>
+        </p:spPr>
+      </p:pic>
+      <p:pic>
+        <p:nvPicPr>
+          <p:cNvPr id="4" name="Picture 3">
+            <a:extLst>
+              <a:ext uri="{FF2B5EF4-FFF2-40B4-BE49-F238E27FC236}">
+                <a16:creationId xmlns:a16="http://schemas.microsoft.com/office/drawing/2014/main" id="{E1AFE29C-95B8-432B-BF66-893BB3F139A3}"/>
+              </a:ext>
+            </a:extLst>
+          </p:cNvPr>
+          <p:cNvPicPr>
+            <a:picLocks noChangeAspect="1"/>
+          </p:cNvPicPr>
+          <p:nvPr/>
+        </p:nvPicPr>
+        <p:blipFill>
+          <a:blip r:embed="rId4"/>
+          <a:stretch>
+            <a:fillRect/>
+          </a:stretch>
+        </p:blipFill>
+        <p:spPr>
+          <a:xfrm>
+            <a:off x="173410" y="5115279"/>
+            <a:ext cx="4450466" cy="1371719"/>
+          </a:xfrm>
+          <a:prstGeom prst="rect">
+            <a:avLst/>
+          </a:prstGeom>
+        </p:spPr>
+      </p:pic>
+      <p:pic>
+        <p:nvPicPr>
+          <p:cNvPr id="5" name="Picture 4">
+            <a:extLst>
+              <a:ext uri="{FF2B5EF4-FFF2-40B4-BE49-F238E27FC236}">
+                <a16:creationId xmlns:a16="http://schemas.microsoft.com/office/drawing/2014/main" id="{4D95872D-7E1F-43A1-91C7-48B78FB7A979}"/>
+              </a:ext>
+            </a:extLst>
+          </p:cNvPr>
+          <p:cNvPicPr>
+            <a:picLocks noChangeAspect="1"/>
+          </p:cNvPicPr>
+          <p:nvPr/>
+        </p:nvPicPr>
+        <p:blipFill>
+          <a:blip r:embed="rId5"/>
+          <a:stretch>
+            <a:fillRect/>
+          </a:stretch>
+        </p:blipFill>
+        <p:spPr>
+          <a:xfrm>
+            <a:off x="5045446" y="4879038"/>
+            <a:ext cx="3558848" cy="1844200"/>
+          </a:xfrm>
+          <a:prstGeom prst="rect">
+            <a:avLst/>
+          </a:prstGeom>
+        </p:spPr>
+      </p:pic>
+    </p:spTree>
+    <p:extLst>
+      <p:ext uri="{BB962C8B-B14F-4D97-AF65-F5344CB8AC3E}">
+        <p14:creationId xmlns:p14="http://schemas.microsoft.com/office/powerpoint/2010/main" val="1157517484"/>
+      </p:ext>
+    </p:extLst>
+  </p:cSld>
+  <p:clrMapOvr>
+    <a:masterClrMapping/>
+  </p:clrMapOvr>
+</p:sld>
+</file>
+
+<file path=ppt/slides/slide32.xml><?xml version="1.0" encoding="utf-8"?>
+<p:sld xmlns:a="http://schemas.openxmlformats.org/drawingml/2006/main" xmlns:r="http://schemas.openxmlformats.org/officeDocument/2006/relationships" xmlns:p="http://schemas.openxmlformats.org/presentationml/2006/main">
+  <p:cSld>
+    <p:spTree>
+      <p:nvGrpSpPr>
+        <p:cNvPr id="1" name=""/>
+        <p:cNvGrpSpPr/>
+        <p:nvPr/>
+      </p:nvGrpSpPr>
+      <p:grpSpPr>
+        <a:xfrm>
+          <a:off x="0" y="0"/>
+          <a:ext cx="0" cy="0"/>
+          <a:chOff x="0" y="0"/>
+          <a:chExt cx="0" cy="0"/>
+        </a:xfrm>
+      </p:grpSpPr>
+      <p:pic>
+        <p:nvPicPr>
+          <p:cNvPr id="6" name="Picture 5">
+            <a:extLst>
+              <a:ext uri="{FF2B5EF4-FFF2-40B4-BE49-F238E27FC236}">
+                <a16:creationId xmlns:a16="http://schemas.microsoft.com/office/drawing/2014/main" id="{2B0D1458-44C7-45D0-9460-5B70D71C69F0}"/>
+              </a:ext>
+            </a:extLst>
+          </p:cNvPr>
+          <p:cNvPicPr>
+            <a:picLocks noChangeAspect="1"/>
+          </p:cNvPicPr>
+          <p:nvPr/>
+        </p:nvPicPr>
+        <p:blipFill>
+          <a:blip r:embed="rId3"/>
+          <a:stretch>
+            <a:fillRect/>
+          </a:stretch>
+        </p:blipFill>
+        <p:spPr>
+          <a:xfrm>
+            <a:off x="327160" y="1002491"/>
+            <a:ext cx="11537680" cy="4640982"/>
+          </a:xfrm>
+          <a:prstGeom prst="rect">
+            <a:avLst/>
+          </a:prstGeom>
+        </p:spPr>
+      </p:pic>
+    </p:spTree>
+    <p:extLst>
+      <p:ext uri="{BB962C8B-B14F-4D97-AF65-F5344CB8AC3E}">
+        <p14:creationId xmlns:p14="http://schemas.microsoft.com/office/powerpoint/2010/main" val="2340102227"/>
+      </p:ext>
+    </p:extLst>
+  </p:cSld>
+  <p:clrMapOvr>
+    <a:masterClrMapping/>
+  </p:clrMapOvr>
+</p:sld>
+</file>
+
+<file path=ppt/slides/slide33.xml><?xml version="1.0" encoding="utf-8"?>
+<p:sld xmlns:a="http://schemas.openxmlformats.org/drawingml/2006/main" xmlns:r="http://schemas.openxmlformats.org/officeDocument/2006/relationships" xmlns:p="http://schemas.openxmlformats.org/presentationml/2006/main">
+  <p:cSld>
+    <p:spTree>
+      <p:nvGrpSpPr>
+        <p:cNvPr id="1" name=""/>
+        <p:cNvGrpSpPr/>
+        <p:nvPr/>
+      </p:nvGrpSpPr>
+      <p:grpSpPr>
+        <a:xfrm>
+          <a:off x="0" y="0"/>
+          <a:ext cx="0" cy="0"/>
+          <a:chOff x="0" y="0"/>
+          <a:chExt cx="0" cy="0"/>
+        </a:xfrm>
+      </p:grpSpPr>
+      <p:pic>
+        <p:nvPicPr>
+          <p:cNvPr id="2" name="Picture 1">
+            <a:extLst>
+              <a:ext uri="{FF2B5EF4-FFF2-40B4-BE49-F238E27FC236}">
+                <a16:creationId xmlns:a16="http://schemas.microsoft.com/office/drawing/2014/main" id="{3ABA7223-1003-4D3D-B77E-0C8FA6128F79}"/>
+              </a:ext>
+            </a:extLst>
+          </p:cNvPr>
+          <p:cNvPicPr>
+            <a:picLocks noChangeAspect="1"/>
+          </p:cNvPicPr>
+          <p:nvPr/>
+        </p:nvPicPr>
+        <p:blipFill>
+          <a:blip r:embed="rId3"/>
+          <a:stretch>
+            <a:fillRect/>
+          </a:stretch>
+        </p:blipFill>
+        <p:spPr>
+          <a:xfrm>
+            <a:off x="849175" y="0"/>
+            <a:ext cx="10493649" cy="6058425"/>
+          </a:xfrm>
+          <a:prstGeom prst="rect">
+            <a:avLst/>
+          </a:prstGeom>
+        </p:spPr>
+      </p:pic>
+      <p:pic>
+        <p:nvPicPr>
+          <p:cNvPr id="3" name="Picture 2">
+            <a:extLst>
+              <a:ext uri="{FF2B5EF4-FFF2-40B4-BE49-F238E27FC236}">
+                <a16:creationId xmlns:a16="http://schemas.microsoft.com/office/drawing/2014/main" id="{9F47CF28-F7B9-4A58-958E-3B5A4A0E11E8}"/>
+              </a:ext>
+            </a:extLst>
+          </p:cNvPr>
+          <p:cNvPicPr>
+            <a:picLocks noChangeAspect="1"/>
+          </p:cNvPicPr>
+          <p:nvPr/>
+        </p:nvPicPr>
+        <p:blipFill>
+          <a:blip r:embed="rId4"/>
+          <a:stretch>
+            <a:fillRect/>
+          </a:stretch>
+        </p:blipFill>
+        <p:spPr>
+          <a:xfrm>
+            <a:off x="4372203" y="6271209"/>
+            <a:ext cx="7819798" cy="586791"/>
+          </a:xfrm>
+          <a:prstGeom prst="rect">
+            <a:avLst/>
+          </a:prstGeom>
+        </p:spPr>
+      </p:pic>
+      <p:pic>
+        <p:nvPicPr>
+          <p:cNvPr id="4" name="Picture 3">
+            <a:extLst>
+              <a:ext uri="{FF2B5EF4-FFF2-40B4-BE49-F238E27FC236}">
+                <a16:creationId xmlns:a16="http://schemas.microsoft.com/office/drawing/2014/main" id="{0F138B30-488A-4AA4-B555-6E1A64D7F57A}"/>
+              </a:ext>
+            </a:extLst>
+          </p:cNvPr>
+          <p:cNvPicPr>
+            <a:picLocks noChangeAspect="1"/>
+          </p:cNvPicPr>
+          <p:nvPr/>
+        </p:nvPicPr>
+        <p:blipFill>
+          <a:blip r:embed="rId5"/>
+          <a:stretch>
+            <a:fillRect/>
+          </a:stretch>
+        </p:blipFill>
+        <p:spPr>
+          <a:xfrm>
+            <a:off x="129533" y="6168789"/>
+            <a:ext cx="3955123" cy="632515"/>
+          </a:xfrm>
+          <a:prstGeom prst="rect">
+            <a:avLst/>
+          </a:prstGeom>
+        </p:spPr>
+      </p:pic>
+    </p:spTree>
+    <p:extLst>
+      <p:ext uri="{BB962C8B-B14F-4D97-AF65-F5344CB8AC3E}">
+        <p14:creationId xmlns:p14="http://schemas.microsoft.com/office/powerpoint/2010/main" val="3997350818"/>
+      </p:ext>
+    </p:extLst>
+  </p:cSld>
+  <p:clrMapOvr>
+    <a:masterClrMapping/>
+  </p:clrMapOvr>
+</p:sld>
+</file>
+
+<file path=ppt/slides/slide34.xml><?xml version="1.0" encoding="utf-8"?>
+<p:sld xmlns:a="http://schemas.openxmlformats.org/drawingml/2006/main" xmlns:r="http://schemas.openxmlformats.org/officeDocument/2006/relationships" xmlns:p="http://schemas.openxmlformats.org/presentationml/2006/main">
+  <p:cSld>
+    <p:spTree>
+      <p:nvGrpSpPr>
+        <p:cNvPr id="1" name=""/>
+        <p:cNvGrpSpPr/>
+        <p:nvPr/>
+      </p:nvGrpSpPr>
+      <p:grpSpPr>
+        <a:xfrm>
+          <a:off x="0" y="0"/>
+          <a:ext cx="0" cy="0"/>
+          <a:chOff x="0" y="0"/>
+          <a:chExt cx="0" cy="0"/>
+        </a:xfrm>
+      </p:grpSpPr>
+      <p:pic>
+        <p:nvPicPr>
+          <p:cNvPr id="5" name="Picture 4">
+            <a:extLst>
+              <a:ext uri="{FF2B5EF4-FFF2-40B4-BE49-F238E27FC236}">
+                <a16:creationId xmlns:a16="http://schemas.microsoft.com/office/drawing/2014/main" id="{360A43D4-AAA7-476C-B9A2-C9F3817D27FB}"/>
+              </a:ext>
+            </a:extLst>
+          </p:cNvPr>
+          <p:cNvPicPr>
+            <a:picLocks noChangeAspect="1"/>
+          </p:cNvPicPr>
+          <p:nvPr/>
+        </p:nvPicPr>
+        <p:blipFill>
+          <a:blip r:embed="rId3"/>
+          <a:stretch>
+            <a:fillRect/>
+          </a:stretch>
+        </p:blipFill>
+        <p:spPr>
+          <a:xfrm>
+            <a:off x="0" y="401744"/>
+            <a:ext cx="12192526" cy="5755988"/>
+          </a:xfrm>
+          <a:prstGeom prst="rect">
+            <a:avLst/>
+          </a:prstGeom>
+        </p:spPr>
+      </p:pic>
+    </p:spTree>
+    <p:extLst>
+      <p:ext uri="{BB962C8B-B14F-4D97-AF65-F5344CB8AC3E}">
+        <p14:creationId xmlns:p14="http://schemas.microsoft.com/office/powerpoint/2010/main" val="2241295816"/>
       </p:ext>
     </p:extLst>
   </p:cSld>
